--- a/Perth_March2017/Talkv2.pptx
+++ b/Perth_March2017/Talkv2.pptx
@@ -5,7 +5,7 @@
     <p:sldMasterId id="2147483648" r:id="rId1"/>
   </p:sldMasterIdLst>
   <p:notesMasterIdLst>
-    <p:notesMasterId r:id="rId15"/>
+    <p:notesMasterId r:id="rId13"/>
   </p:notesMasterIdLst>
   <p:sldIdLst>
     <p:sldId id="259" r:id="rId2"/>
@@ -14,13 +14,11 @@
     <p:sldId id="279" r:id="rId5"/>
     <p:sldId id="286" r:id="rId6"/>
     <p:sldId id="287" r:id="rId7"/>
-    <p:sldId id="291" r:id="rId8"/>
-    <p:sldId id="292" r:id="rId9"/>
-    <p:sldId id="263" r:id="rId10"/>
-    <p:sldId id="264" r:id="rId11"/>
-    <p:sldId id="266" r:id="rId12"/>
-    <p:sldId id="290" r:id="rId13"/>
-    <p:sldId id="277" r:id="rId14"/>
+    <p:sldId id="263" r:id="rId8"/>
+    <p:sldId id="264" r:id="rId9"/>
+    <p:sldId id="266" r:id="rId10"/>
+    <p:sldId id="290" r:id="rId11"/>
+    <p:sldId id="277" r:id="rId12"/>
   </p:sldIdLst>
   <p:sldSz cx="12192000" cy="6858000"/>
   <p:notesSz cx="6858000" cy="9144000"/>
@@ -209,7 +207,7 @@
           <a:p>
             <a:fld id="{B0F99F05-9BA7-0847-82B3-941D753A8295}" type="datetimeFigureOut">
               <a:rPr lang="en-US" smtClean="0"/>
-              <a:t>3/27/17</a:t>
+              <a:t>7/3/17</a:t>
             </a:fld>
             <a:endParaRPr lang="en-US"/>
           </a:p>
@@ -594,178 +592,6 @@
 </p:notes>
 </file>
 
-<file path=ppt/notesSlides/notesSlide10.xml><?xml version="1.0" encoding="utf-8"?>
-<p:notes xmlns:a="http://schemas.openxmlformats.org/drawingml/2006/main" xmlns:r="http://schemas.openxmlformats.org/officeDocument/2006/relationships" xmlns:p="http://schemas.openxmlformats.org/presentationml/2006/main">
-  <p:cSld>
-    <p:spTree>
-      <p:nvGrpSpPr>
-        <p:cNvPr id="1" name=""/>
-        <p:cNvGrpSpPr/>
-        <p:nvPr/>
-      </p:nvGrpSpPr>
-      <p:grpSpPr>
-        <a:xfrm>
-          <a:off x="0" y="0"/>
-          <a:ext cx="0" cy="0"/>
-          <a:chOff x="0" y="0"/>
-          <a:chExt cx="0" cy="0"/>
-        </a:xfrm>
-      </p:grpSpPr>
-      <p:sp>
-        <p:nvSpPr>
-          <p:cNvPr id="2" name="Slide Image Placeholder 1"/>
-          <p:cNvSpPr>
-            <a:spLocks noGrp="1" noRot="1" noChangeAspect="1"/>
-          </p:cNvSpPr>
-          <p:nvPr>
-            <p:ph type="sldImg"/>
-          </p:nvPr>
-        </p:nvSpPr>
-        <p:spPr/>
-      </p:sp>
-      <p:sp>
-        <p:nvSpPr>
-          <p:cNvPr id="3" name="Notes Placeholder 2"/>
-          <p:cNvSpPr>
-            <a:spLocks noGrp="1"/>
-          </p:cNvSpPr>
-          <p:nvPr>
-            <p:ph type="body" idx="1"/>
-          </p:nvPr>
-        </p:nvSpPr>
-        <p:spPr/>
-        <p:txBody>
-          <a:bodyPr/>
-          <a:lstStyle/>
-          <a:p>
-            <a:endParaRPr lang="en-US" dirty="0"/>
-          </a:p>
-        </p:txBody>
-      </p:sp>
-      <p:sp>
-        <p:nvSpPr>
-          <p:cNvPr id="4" name="Slide Number Placeholder 3"/>
-          <p:cNvSpPr>
-            <a:spLocks noGrp="1"/>
-          </p:cNvSpPr>
-          <p:nvPr>
-            <p:ph type="sldNum" sz="quarter" idx="10"/>
-          </p:nvPr>
-        </p:nvSpPr>
-        <p:spPr/>
-        <p:txBody>
-          <a:bodyPr/>
-          <a:lstStyle/>
-          <a:p>
-            <a:fld id="{B6599B37-F176-6E42-8AC7-A275D896A4BA}" type="slidenum">
-              <a:rPr lang="en-US" smtClean="0"/>
-              <a:t>12</a:t>
-            </a:fld>
-            <a:endParaRPr lang="en-US"/>
-          </a:p>
-        </p:txBody>
-      </p:sp>
-    </p:spTree>
-    <p:extLst>
-      <p:ext uri="{BB962C8B-B14F-4D97-AF65-F5344CB8AC3E}">
-        <p14:creationId xmlns:p14="http://schemas.microsoft.com/office/powerpoint/2010/main" val="539974993"/>
-      </p:ext>
-    </p:extLst>
-  </p:cSld>
-  <p:clrMapOvr>
-    <a:masterClrMapping/>
-  </p:clrMapOvr>
-</p:notes>
-</file>
-
-<file path=ppt/notesSlides/notesSlide11.xml><?xml version="1.0" encoding="utf-8"?>
-<p:notes xmlns:a="http://schemas.openxmlformats.org/drawingml/2006/main" xmlns:r="http://schemas.openxmlformats.org/officeDocument/2006/relationships" xmlns:p="http://schemas.openxmlformats.org/presentationml/2006/main">
-  <p:cSld>
-    <p:spTree>
-      <p:nvGrpSpPr>
-        <p:cNvPr id="1" name=""/>
-        <p:cNvGrpSpPr/>
-        <p:nvPr/>
-      </p:nvGrpSpPr>
-      <p:grpSpPr>
-        <a:xfrm>
-          <a:off x="0" y="0"/>
-          <a:ext cx="0" cy="0"/>
-          <a:chOff x="0" y="0"/>
-          <a:chExt cx="0" cy="0"/>
-        </a:xfrm>
-      </p:grpSpPr>
-      <p:sp>
-        <p:nvSpPr>
-          <p:cNvPr id="2" name="Slide Image Placeholder 1"/>
-          <p:cNvSpPr>
-            <a:spLocks noGrp="1" noRot="1" noChangeAspect="1"/>
-          </p:cNvSpPr>
-          <p:nvPr>
-            <p:ph type="sldImg"/>
-          </p:nvPr>
-        </p:nvSpPr>
-        <p:spPr/>
-      </p:sp>
-      <p:sp>
-        <p:nvSpPr>
-          <p:cNvPr id="3" name="Notes Placeholder 2"/>
-          <p:cNvSpPr>
-            <a:spLocks noGrp="1"/>
-          </p:cNvSpPr>
-          <p:nvPr>
-            <p:ph type="body" idx="1"/>
-          </p:nvPr>
-        </p:nvSpPr>
-        <p:spPr/>
-        <p:txBody>
-          <a:bodyPr/>
-          <a:lstStyle/>
-          <a:p>
-            <a:r>
-              <a:rPr lang="en-US" dirty="0" smtClean="0"/>
-              <a:t>It’s a summary slide, do I really need to summarize the summary?</a:t>
-            </a:r>
-            <a:endParaRPr lang="en-US" dirty="0"/>
-          </a:p>
-        </p:txBody>
-      </p:sp>
-      <p:sp>
-        <p:nvSpPr>
-          <p:cNvPr id="4" name="Slide Number Placeholder 3"/>
-          <p:cNvSpPr>
-            <a:spLocks noGrp="1"/>
-          </p:cNvSpPr>
-          <p:nvPr>
-            <p:ph type="sldNum" sz="quarter" idx="10"/>
-          </p:nvPr>
-        </p:nvSpPr>
-        <p:spPr/>
-        <p:txBody>
-          <a:bodyPr/>
-          <a:lstStyle/>
-          <a:p>
-            <a:fld id="{B6599B37-F176-6E42-8AC7-A275D896A4BA}" type="slidenum">
-              <a:rPr lang="en-US" smtClean="0"/>
-              <a:t>13</a:t>
-            </a:fld>
-            <a:endParaRPr lang="en-US"/>
-          </a:p>
-        </p:txBody>
-      </p:sp>
-    </p:spTree>
-    <p:extLst>
-      <p:ext uri="{BB962C8B-B14F-4D97-AF65-F5344CB8AC3E}">
-        <p14:creationId xmlns:p14="http://schemas.microsoft.com/office/powerpoint/2010/main" val="1857799382"/>
-      </p:ext>
-    </p:extLst>
-  </p:cSld>
-  <p:clrMapOvr>
-    <a:masterClrMapping/>
-  </p:clrMapOvr>
-</p:notes>
-</file>
-
 <file path=ppt/notesSlides/notesSlide2.xml><?xml version="1.0" encoding="utf-8"?>
 <p:notes xmlns:a="http://schemas.openxmlformats.org/drawingml/2006/main" xmlns:r="http://schemas.openxmlformats.org/officeDocument/2006/relationships" xmlns:p="http://schemas.openxmlformats.org/presentationml/2006/main">
   <p:cSld>
@@ -1313,103 +1139,27 @@
           <a:p>
             <a:r>
               <a:rPr lang="en-US" dirty="0" smtClean="0"/>
-              <a:t>Results from ‘The First Billion Years project’ which used cosmological</a:t>
+              <a:t>Normally people just</a:t>
             </a:r>
             <a:r>
               <a:rPr lang="en-US" baseline="0" dirty="0" smtClean="0"/>
-              <a:t> </a:t>
+              <a:t> assume constant escape fraction, however this </a:t>
             </a:r>
             <a:r>
               <a:rPr lang="en-US" baseline="0" dirty="0" err="1" smtClean="0"/>
-              <a:t>hydrodynamical</a:t>
+              <a:t>simiplifies</a:t>
             </a:r>
             <a:r>
               <a:rPr lang="en-US" baseline="0" dirty="0" smtClean="0"/>
-              <a:t> sims to model reionization from redshift 27 and 6.  </a:t>
-            </a:r>
-          </a:p>
-          <a:p>
+              <a:t> a lot of things (as we just saw).  As a consequence, are we able to determine a more physical form of the escape fraction that still agrees with general </a:t>
+            </a:r>
             <a:r>
               <a:rPr lang="en-US" baseline="0" dirty="0" err="1" smtClean="0"/>
-              <a:t>M_part</a:t>
+              <a:t>EoR</a:t>
             </a:r>
             <a:r>
               <a:rPr lang="en-US" baseline="0" dirty="0" smtClean="0"/>
-              <a:t> = 1253.6 </a:t>
-            </a:r>
-            <a:r>
-              <a:rPr lang="en-US" baseline="0" dirty="0" err="1" smtClean="0"/>
-              <a:t>Msun</a:t>
-            </a:r>
-            <a:r>
-              <a:rPr lang="en-US" baseline="0" dirty="0" smtClean="0"/>
-              <a:t>, L = 8 </a:t>
-            </a:r>
-            <a:r>
-              <a:rPr lang="en-US" baseline="0" dirty="0" err="1" smtClean="0"/>
-              <a:t>cMpc</a:t>
-            </a:r>
-            <a:r>
-              <a:rPr lang="en-US" baseline="0" dirty="0" smtClean="0"/>
-              <a:t>, N = 2*1368^3. Identified halos with &gt; 1000 DM parts. </a:t>
-            </a:r>
-          </a:p>
-          <a:p>
-            <a:endParaRPr lang="en-US" baseline="0" dirty="0" smtClean="0"/>
-          </a:p>
-          <a:p>
-            <a:r>
-              <a:rPr lang="en-US" baseline="0" dirty="0" smtClean="0"/>
-              <a:t>This figure uses PCA in an attempt to explain the scatter in the escape fraction measurements from the simulation.  It’s done by </a:t>
-            </a:r>
-            <a:r>
-              <a:rPr lang="en-US" baseline="0" dirty="0" err="1" smtClean="0"/>
-              <a:t>diagionaliizing</a:t>
-            </a:r>
-            <a:r>
-              <a:rPr lang="en-US" baseline="0" dirty="0" smtClean="0"/>
-              <a:t> the covariance matrix of the data with the eigenvectors of this matrix forming the principal components.  PC0 explains the most amount of scatter in the data, with PC1 doing the next etc.  PC0 accounts for 18% of the uncertainty with 3 components being required for 50%; 90% requires at least 7 PCs. </a:t>
-            </a:r>
-          </a:p>
-          <a:p>
-            <a:endParaRPr lang="en-US" baseline="0" dirty="0" smtClean="0"/>
-          </a:p>
-          <a:p>
-            <a:r>
-              <a:rPr lang="en-US" baseline="0" dirty="0" smtClean="0"/>
-              <a:t>This plot and explanation highlights that its </a:t>
-            </a:r>
-            <a:r>
-              <a:rPr lang="en-US" baseline="0" dirty="0" err="1" smtClean="0"/>
-              <a:t>ridculously</a:t>
-            </a:r>
-            <a:r>
-              <a:rPr lang="en-US" baseline="0" dirty="0" smtClean="0"/>
-              <a:t> difficult to analytically describe the escape fraction of an individual galaxy.  Image on the right is for halos with similar stellar mass, </a:t>
-            </a:r>
-            <a:r>
-              <a:rPr lang="en-US" baseline="0" dirty="0" err="1" smtClean="0"/>
-              <a:t>sSFR</a:t>
-            </a:r>
-            <a:r>
-              <a:rPr lang="en-US" baseline="0" dirty="0" smtClean="0"/>
-              <a:t> and mean stellar lifetime.  Despite this the top one has </a:t>
-            </a:r>
-            <a:r>
-              <a:rPr lang="en-US" baseline="0" dirty="0" err="1" smtClean="0"/>
-              <a:t>fesc</a:t>
-            </a:r>
-            <a:r>
-              <a:rPr lang="en-US" baseline="0" dirty="0" smtClean="0"/>
-              <a:t> = 0.3 whilst the bottom one has </a:t>
-            </a:r>
-            <a:r>
-              <a:rPr lang="en-US" baseline="0" dirty="0" err="1" smtClean="0"/>
-              <a:t>fesc</a:t>
-            </a:r>
-            <a:r>
-              <a:rPr lang="en-US" baseline="0" dirty="0" smtClean="0"/>
-              <a:t> = 0.01 solely due to how gas is distributed.</a:t>
+              <a:t> things?</a:t>
             </a:r>
             <a:endParaRPr lang="en-US" dirty="0"/>
           </a:p>
@@ -1441,7 +1191,7 @@
     </p:spTree>
     <p:extLst>
       <p:ext uri="{BB962C8B-B14F-4D97-AF65-F5344CB8AC3E}">
-        <p14:creationId xmlns:p14="http://schemas.microsoft.com/office/powerpoint/2010/main" val="1387573493"/>
+        <p14:creationId xmlns:p14="http://schemas.microsoft.com/office/powerpoint/2010/main" val="224759865"/>
       </p:ext>
     </p:extLst>
   </p:cSld>
@@ -1497,103 +1247,28 @@
           <a:p>
             <a:r>
               <a:rPr lang="en-US" dirty="0" smtClean="0"/>
-              <a:t>Results from ‘The First Billion Years project’ which used cosmological</a:t>
+              <a:t>A</a:t>
             </a:r>
             <a:r>
               <a:rPr lang="en-US" baseline="0" dirty="0" smtClean="0"/>
-              <a:t> </a:t>
+              <a:t> previous talk has hopefully talked about SAMs; if they haven’t give a brief description.  On the left is the SMF which we can see agrees to an acceptable level with the observations.  On the right we see that the rate of ionizing photons reaches a plateau after ~5 </a:t>
             </a:r>
             <a:r>
               <a:rPr lang="en-US" baseline="0" dirty="0" err="1" smtClean="0"/>
-              <a:t>hydrodynamical</a:t>
+              <a:t>Myr</a:t>
             </a:r>
             <a:r>
               <a:rPr lang="en-US" baseline="0" dirty="0" smtClean="0"/>
-              <a:t> sims to model reionization from redshift 27 and 6.  </a:t>
-            </a:r>
-          </a:p>
-          <a:p>
-            <a:r>
-              <a:rPr lang="en-US" baseline="0" dirty="0" err="1" smtClean="0"/>
-              <a:t>M_part</a:t>
-            </a:r>
+              <a:t>.  This is a linear relationship that depends upon the SFR which is how we determine the number of ionizing photons emitted by each galaxy.</a:t>
+            </a:r>
+          </a:p>
+          <a:p>
+            <a:endParaRPr lang="en-US" baseline="0" dirty="0" smtClean="0"/>
+          </a:p>
+          <a:p>
             <a:r>
               <a:rPr lang="en-US" baseline="0" dirty="0" smtClean="0"/>
-              <a:t> = 1253.6 </a:t>
-            </a:r>
-            <a:r>
-              <a:rPr lang="en-US" baseline="0" dirty="0" err="1" smtClean="0"/>
-              <a:t>Msun</a:t>
-            </a:r>
-            <a:r>
-              <a:rPr lang="en-US" baseline="0" dirty="0" smtClean="0"/>
-              <a:t>, L = 8 </a:t>
-            </a:r>
-            <a:r>
-              <a:rPr lang="en-US" baseline="0" dirty="0" err="1" smtClean="0"/>
-              <a:t>cMpc</a:t>
-            </a:r>
-            <a:r>
-              <a:rPr lang="en-US" baseline="0" dirty="0" smtClean="0"/>
-              <a:t>, N = 2*1368^3. Identified halos with &gt; 1000 DM parts. </a:t>
-            </a:r>
-          </a:p>
-          <a:p>
-            <a:endParaRPr lang="en-US" baseline="0" dirty="0" smtClean="0"/>
-          </a:p>
-          <a:p>
-            <a:r>
-              <a:rPr lang="en-US" baseline="0" dirty="0" smtClean="0"/>
-              <a:t>This figure uses PCA in an attempt to explain the scatter in the escape fraction measurements from the simulation.  It’s done by </a:t>
-            </a:r>
-            <a:r>
-              <a:rPr lang="en-US" baseline="0" dirty="0" err="1" smtClean="0"/>
-              <a:t>diagionaliizing</a:t>
-            </a:r>
-            <a:r>
-              <a:rPr lang="en-US" baseline="0" dirty="0" smtClean="0"/>
-              <a:t> the covariance matrix of the data with the eigenvectors of this matrix forming the principal components.  PC0 explains the most amount of scatter in the data, with PC1 doing the next etc.  PC0 accounts for 18% of the uncertainty with 3 components being required for 50%; 90% requires at least 7 PCs. </a:t>
-            </a:r>
-          </a:p>
-          <a:p>
-            <a:endParaRPr lang="en-US" baseline="0" dirty="0" smtClean="0"/>
-          </a:p>
-          <a:p>
-            <a:r>
-              <a:rPr lang="en-US" baseline="0" dirty="0" smtClean="0"/>
-              <a:t>This plot and explanation highlights that its </a:t>
-            </a:r>
-            <a:r>
-              <a:rPr lang="en-US" baseline="0" dirty="0" err="1" smtClean="0"/>
-              <a:t>ridculously</a:t>
-            </a:r>
-            <a:r>
-              <a:rPr lang="en-US" baseline="0" dirty="0" smtClean="0"/>
-              <a:t> difficult to analytically describe the escape fraction of an individual galaxy.  Image on the right is for halos with similar stellar mass, </a:t>
-            </a:r>
-            <a:r>
-              <a:rPr lang="en-US" baseline="0" dirty="0" err="1" smtClean="0"/>
-              <a:t>sSFR</a:t>
-            </a:r>
-            <a:r>
-              <a:rPr lang="en-US" baseline="0" dirty="0" smtClean="0"/>
-              <a:t> and mean stellar lifetime.  Despite this the top one has </a:t>
-            </a:r>
-            <a:r>
-              <a:rPr lang="en-US" baseline="0" dirty="0" err="1" smtClean="0"/>
-              <a:t>fesc</a:t>
-            </a:r>
-            <a:r>
-              <a:rPr lang="en-US" baseline="0" dirty="0" smtClean="0"/>
-              <a:t> = 0.3 whilst the bottom one has </a:t>
-            </a:r>
-            <a:r>
-              <a:rPr lang="en-US" baseline="0" dirty="0" err="1" smtClean="0"/>
-              <a:t>fesc</a:t>
-            </a:r>
-            <a:r>
-              <a:rPr lang="en-US" baseline="0" dirty="0" smtClean="0"/>
-              <a:t> = 0.01 solely due to how gas is distributed.</a:t>
+              <a:t>Finally highlight that SAMs take a short amount of time to run; easy to explore parameter space!</a:t>
             </a:r>
             <a:endParaRPr lang="en-US" dirty="0"/>
           </a:p>
@@ -1625,7 +1300,7 @@
     </p:spTree>
     <p:extLst>
       <p:ext uri="{BB962C8B-B14F-4D97-AF65-F5344CB8AC3E}">
-        <p14:creationId xmlns:p14="http://schemas.microsoft.com/office/powerpoint/2010/main" val="1228283178"/>
+        <p14:creationId xmlns:p14="http://schemas.microsoft.com/office/powerpoint/2010/main" val="674465825"/>
       </p:ext>
     </p:extLst>
   </p:cSld>
@@ -1681,27 +1356,20 @@
           <a:p>
             <a:r>
               <a:rPr lang="en-US" dirty="0" smtClean="0"/>
-              <a:t>Normally people just</a:t>
+              <a:t>Final ingredient</a:t>
             </a:r>
             <a:r>
               <a:rPr lang="en-US" baseline="0" dirty="0" smtClean="0"/>
-              <a:t> assume constant escape fraction, however this </a:t>
-            </a:r>
-            <a:r>
-              <a:rPr lang="en-US" baseline="0" dirty="0" err="1" smtClean="0"/>
-              <a:t>simiplifies</a:t>
-            </a:r>
+              <a:t> is the escape fraction.  In this work we focus on 3 different parameterizations.  As we saw the halo mass is thought to affect the escape fraction so we use a power law.  We fix the escape fraction for the least and most massive halos that then defines our slope + intercept.  The ejected mass is an attempt to model how SN are seen to affect the escape fraction.  Fix the smallest and largest escape fraction and then define a linear relationship. </a:t>
+            </a:r>
+          </a:p>
+          <a:p>
+            <a:endParaRPr lang="en-US" baseline="0" dirty="0" smtClean="0"/>
+          </a:p>
+          <a:p>
             <a:r>
               <a:rPr lang="en-US" baseline="0" dirty="0" smtClean="0"/>
-              <a:t> a lot of things (as we just saw).  As a consequence, are we able to determine a more physical form of the escape fraction that still agrees with general </a:t>
-            </a:r>
-            <a:r>
-              <a:rPr lang="en-US" baseline="0" dirty="0" err="1" smtClean="0"/>
-              <a:t>EoR</a:t>
-            </a:r>
-            <a:r>
-              <a:rPr lang="en-US" baseline="0" dirty="0" smtClean="0"/>
-              <a:t> things?</a:t>
+              <a:t>But because of the power of the SAM we can really be crazy and parameterize the escape fraction however we want.  These are just a few examples.</a:t>
             </a:r>
             <a:endParaRPr lang="en-US" dirty="0"/>
           </a:p>
@@ -1733,7 +1401,7 @@
     </p:spTree>
     <p:extLst>
       <p:ext uri="{BB962C8B-B14F-4D97-AF65-F5344CB8AC3E}">
-        <p14:creationId xmlns:p14="http://schemas.microsoft.com/office/powerpoint/2010/main" val="224759865"/>
+        <p14:creationId xmlns:p14="http://schemas.microsoft.com/office/powerpoint/2010/main" val="1710738500"/>
       </p:ext>
     </p:extLst>
   </p:cSld>
@@ -1787,31 +1455,6 @@
           <a:bodyPr/>
           <a:lstStyle/>
           <a:p>
-            <a:r>
-              <a:rPr lang="en-US" dirty="0" smtClean="0"/>
-              <a:t>A</a:t>
-            </a:r>
-            <a:r>
-              <a:rPr lang="en-US" baseline="0" dirty="0" smtClean="0"/>
-              <a:t> previous talk has hopefully talked about SAMs; if they haven’t give a brief description.  On the left is the SMF which we can see agrees to an acceptable level with the observations.  On the right we see that the rate of ionizing photons reaches a plateau after ~5 </a:t>
-            </a:r>
-            <a:r>
-              <a:rPr lang="en-US" baseline="0" dirty="0" err="1" smtClean="0"/>
-              <a:t>Myr</a:t>
-            </a:r>
-            <a:r>
-              <a:rPr lang="en-US" baseline="0" dirty="0" smtClean="0"/>
-              <a:t>.  This is a linear relationship that depends upon the SFR which is how we determine the number of ionizing photons emitted by each galaxy.</a:t>
-            </a:r>
-          </a:p>
-          <a:p>
-            <a:endParaRPr lang="en-US" baseline="0" dirty="0" smtClean="0"/>
-          </a:p>
-          <a:p>
-            <a:r>
-              <a:rPr lang="en-US" baseline="0" dirty="0" smtClean="0"/>
-              <a:t>Finally highlight that SAMs take a short amount of time to run; easy to explore parameter space!</a:t>
-            </a:r>
             <a:endParaRPr lang="en-US" dirty="0"/>
           </a:p>
         </p:txBody>
@@ -1842,7 +1485,7 @@
     </p:spTree>
     <p:extLst>
       <p:ext uri="{BB962C8B-B14F-4D97-AF65-F5344CB8AC3E}">
-        <p14:creationId xmlns:p14="http://schemas.microsoft.com/office/powerpoint/2010/main" val="674465825"/>
+        <p14:creationId xmlns:p14="http://schemas.microsoft.com/office/powerpoint/2010/main" val="539974993"/>
       </p:ext>
     </p:extLst>
   </p:cSld>
@@ -1898,20 +1541,7 @@
           <a:p>
             <a:r>
               <a:rPr lang="en-US" dirty="0" smtClean="0"/>
-              <a:t>Final ingredient</a:t>
-            </a:r>
-            <a:r>
-              <a:rPr lang="en-US" baseline="0" dirty="0" smtClean="0"/>
-              <a:t> is the escape fraction.  In this work we focus on 3 different parameterizations.  As we saw the halo mass is thought to affect the escape fraction so we use a power law.  We fix the escape fraction for the least and most massive halos that then defines our slope + intercept.  The ejected mass is an attempt to model how SN are seen to affect the escape fraction.  Fix the smallest and largest escape fraction and then define a linear relationship. </a:t>
-            </a:r>
-          </a:p>
-          <a:p>
-            <a:endParaRPr lang="en-US" baseline="0" dirty="0" smtClean="0"/>
-          </a:p>
-          <a:p>
-            <a:r>
-              <a:rPr lang="en-US" baseline="0" dirty="0" smtClean="0"/>
-              <a:t>But because of the power of the SAM we can really be crazy and parameterize the escape fraction however we want.  These are just a few examples.</a:t>
+              <a:t>It’s a summary slide, do I really need to summarize the summary?</a:t>
             </a:r>
             <a:endParaRPr lang="en-US" dirty="0"/>
           </a:p>
@@ -1943,7 +1573,7 @@
     </p:spTree>
     <p:extLst>
       <p:ext uri="{BB962C8B-B14F-4D97-AF65-F5344CB8AC3E}">
-        <p14:creationId xmlns:p14="http://schemas.microsoft.com/office/powerpoint/2010/main" val="1710738500"/>
+        <p14:creationId xmlns:p14="http://schemas.microsoft.com/office/powerpoint/2010/main" val="1857799382"/>
       </p:ext>
     </p:extLst>
   </p:cSld>
@@ -2084,7 +1714,7 @@
           <a:p>
             <a:fld id="{EA785BD0-C8B6-E541-8957-C258C7E4C40C}" type="datetimeFigureOut">
               <a:rPr lang="en-US" smtClean="0"/>
-              <a:t>3/27/17</a:t>
+              <a:t>7/3/17</a:t>
             </a:fld>
             <a:endParaRPr lang="en-US"/>
           </a:p>
@@ -2254,7 +1884,7 @@
           <a:p>
             <a:fld id="{EA785BD0-C8B6-E541-8957-C258C7E4C40C}" type="datetimeFigureOut">
               <a:rPr lang="en-US" smtClean="0"/>
-              <a:t>3/27/17</a:t>
+              <a:t>7/3/17</a:t>
             </a:fld>
             <a:endParaRPr lang="en-US"/>
           </a:p>
@@ -2434,7 +2064,7 @@
           <a:p>
             <a:fld id="{EA785BD0-C8B6-E541-8957-C258C7E4C40C}" type="datetimeFigureOut">
               <a:rPr lang="en-US" smtClean="0"/>
-              <a:t>3/27/17</a:t>
+              <a:t>7/3/17</a:t>
             </a:fld>
             <a:endParaRPr lang="en-US"/>
           </a:p>
@@ -2604,7 +2234,7 @@
           <a:p>
             <a:fld id="{EA785BD0-C8B6-E541-8957-C258C7E4C40C}" type="datetimeFigureOut">
               <a:rPr lang="en-US" smtClean="0"/>
-              <a:t>3/27/17</a:t>
+              <a:t>7/3/17</a:t>
             </a:fld>
             <a:endParaRPr lang="en-US"/>
           </a:p>
@@ -2850,7 +2480,7 @@
           <a:p>
             <a:fld id="{EA785BD0-C8B6-E541-8957-C258C7E4C40C}" type="datetimeFigureOut">
               <a:rPr lang="en-US" smtClean="0"/>
-              <a:t>3/27/17</a:t>
+              <a:t>7/3/17</a:t>
             </a:fld>
             <a:endParaRPr lang="en-US"/>
           </a:p>
@@ -3082,7 +2712,7 @@
           <a:p>
             <a:fld id="{EA785BD0-C8B6-E541-8957-C258C7E4C40C}" type="datetimeFigureOut">
               <a:rPr lang="en-US" smtClean="0"/>
-              <a:t>3/27/17</a:t>
+              <a:t>7/3/17</a:t>
             </a:fld>
             <a:endParaRPr lang="en-US"/>
           </a:p>
@@ -3449,7 +3079,7 @@
           <a:p>
             <a:fld id="{EA785BD0-C8B6-E541-8957-C258C7E4C40C}" type="datetimeFigureOut">
               <a:rPr lang="en-US" smtClean="0"/>
-              <a:t>3/27/17</a:t>
+              <a:t>7/3/17</a:t>
             </a:fld>
             <a:endParaRPr lang="en-US"/>
           </a:p>
@@ -3567,7 +3197,7 @@
           <a:p>
             <a:fld id="{EA785BD0-C8B6-E541-8957-C258C7E4C40C}" type="datetimeFigureOut">
               <a:rPr lang="en-US" smtClean="0"/>
-              <a:t>3/27/17</a:t>
+              <a:t>7/3/17</a:t>
             </a:fld>
             <a:endParaRPr lang="en-US"/>
           </a:p>
@@ -3662,7 +3292,7 @@
           <a:p>
             <a:fld id="{EA785BD0-C8B6-E541-8957-C258C7E4C40C}" type="datetimeFigureOut">
               <a:rPr lang="en-US" smtClean="0"/>
-              <a:t>3/27/17</a:t>
+              <a:t>7/3/17</a:t>
             </a:fld>
             <a:endParaRPr lang="en-US"/>
           </a:p>
@@ -3939,7 +3569,7 @@
           <a:p>
             <a:fld id="{EA785BD0-C8B6-E541-8957-C258C7E4C40C}" type="datetimeFigureOut">
               <a:rPr lang="en-US" smtClean="0"/>
-              <a:t>3/27/17</a:t>
+              <a:t>7/3/17</a:t>
             </a:fld>
             <a:endParaRPr lang="en-US"/>
           </a:p>
@@ -4192,7 +3822,7 @@
           <a:p>
             <a:fld id="{EA785BD0-C8B6-E541-8957-C258C7E4C40C}" type="datetimeFigureOut">
               <a:rPr lang="en-US" smtClean="0"/>
-              <a:t>3/27/17</a:t>
+              <a:t>7/3/17</a:t>
             </a:fld>
             <a:endParaRPr lang="en-US"/>
           </a:p>
@@ -4414,7 +4044,7 @@
           <a:p>
             <a:fld id="{EA785BD0-C8B6-E541-8957-C258C7E4C40C}" type="datetimeFigureOut">
               <a:rPr lang="en-US" smtClean="0"/>
-              <a:t>3/27/17</a:t>
+              <a:t>7/3/17</a:t>
             </a:fld>
             <a:endParaRPr lang="en-US"/>
           </a:p>
@@ -5121,1762 +4751,6 @@
           <a:chExt cx="0" cy="0"/>
         </a:xfrm>
       </p:grpSpPr>
-      <p:sp>
-        <p:nvSpPr>
-          <p:cNvPr id="7" name="Title 1"/>
-          <p:cNvSpPr>
-            <a:spLocks noGrp="1"/>
-          </p:cNvSpPr>
-          <p:nvPr>
-            <p:ph type="ctrTitle"/>
-          </p:nvPr>
-        </p:nvSpPr>
-        <p:spPr>
-          <a:xfrm>
-            <a:off x="1408253" y="266217"/>
-            <a:ext cx="9946511" cy="1350831"/>
-          </a:xfrm>
-        </p:spPr>
-        <p:txBody>
-          <a:bodyPr>
-            <a:normAutofit fontScale="90000"/>
-          </a:bodyPr>
-          <a:lstStyle/>
-          <a:p>
-            <a:r>
-              <a:rPr lang="en-US" b="1" dirty="0" smtClean="0">
-                <a:ln>
-                  <a:solidFill>
-                    <a:schemeClr val="tx1">
-                      <a:alpha val="70000"/>
-                    </a:schemeClr>
-                  </a:solidFill>
-                </a:ln>
-                <a:solidFill>
-                  <a:srgbClr val="C49B00"/>
-                </a:solidFill>
-                <a:latin typeface="Bangla Sangam MN" charset="0"/>
-                <a:ea typeface="Bangla Sangam MN" charset="0"/>
-                <a:cs typeface="Bangla Sangam MN" charset="0"/>
-              </a:rPr>
-              <a:t>Galaxy Properties + Photons</a:t>
-            </a:r>
-            <a:endParaRPr lang="en-US" b="1" dirty="0">
-              <a:ln>
-                <a:solidFill>
-                  <a:schemeClr val="tx1">
-                    <a:alpha val="70000"/>
-                  </a:schemeClr>
-                </a:solidFill>
-              </a:ln>
-              <a:solidFill>
-                <a:srgbClr val="C49B00"/>
-              </a:solidFill>
-              <a:latin typeface="Bangla Sangam MN" charset="0"/>
-              <a:ea typeface="Bangla Sangam MN" charset="0"/>
-              <a:cs typeface="Bangla Sangam MN" charset="0"/>
-            </a:endParaRPr>
-          </a:p>
-        </p:txBody>
-      </p:sp>
-      <p:sp>
-        <p:nvSpPr>
-          <p:cNvPr id="4" name="TextBox 3"/>
-          <p:cNvSpPr txBox="1"/>
-          <p:nvPr/>
-        </p:nvSpPr>
-        <p:spPr>
-          <a:xfrm>
-            <a:off x="193039" y="1617048"/>
-            <a:ext cx="6271553" cy="5262979"/>
-          </a:xfrm>
-          <a:prstGeom prst="rect">
-            <a:avLst/>
-          </a:prstGeom>
-          <a:noFill/>
-        </p:spPr>
-        <p:txBody>
-          <a:bodyPr wrap="square" rtlCol="0">
-            <a:spAutoFit/>
-          </a:bodyPr>
-          <a:lstStyle/>
-          <a:p>
-            <a:pPr marL="285750" indent="-285750">
-              <a:buFont typeface="Arial" charset="0"/>
-              <a:buChar char="•"/>
-            </a:pPr>
-            <a:r>
-              <a:rPr lang="en-US" sz="2400" dirty="0" smtClean="0">
-                <a:solidFill>
-                  <a:schemeClr val="bg1"/>
-                </a:solidFill>
-                <a:latin typeface="Bangla Sangam MN" charset="0"/>
-                <a:ea typeface="Bangla Sangam MN" charset="0"/>
-                <a:cs typeface="Bangla Sangam MN" charset="0"/>
-              </a:rPr>
-              <a:t>Use Semi-Analytic Galaxy Evolution model to generate galaxy properties.</a:t>
-            </a:r>
-          </a:p>
-          <a:p>
-            <a:pPr marL="285750" indent="-285750">
-              <a:buFont typeface="Arial" charset="0"/>
-              <a:buChar char="•"/>
-            </a:pPr>
-            <a:endParaRPr lang="en-US" sz="2400" dirty="0">
-              <a:solidFill>
-                <a:schemeClr val="bg1"/>
-              </a:solidFill>
-              <a:latin typeface="Bangla Sangam MN" charset="0"/>
-              <a:ea typeface="Bangla Sangam MN" charset="0"/>
-              <a:cs typeface="Bangla Sangam MN" charset="0"/>
-            </a:endParaRPr>
-          </a:p>
-          <a:p>
-            <a:pPr marL="285750" indent="-285750">
-              <a:buFont typeface="Arial" charset="0"/>
-              <a:buChar char="•"/>
-            </a:pPr>
-            <a:r>
-              <a:rPr lang="en-US" sz="2400" dirty="0" smtClean="0">
-                <a:solidFill>
-                  <a:schemeClr val="bg1"/>
-                </a:solidFill>
-                <a:latin typeface="Bangla Sangam MN" charset="0"/>
-                <a:ea typeface="Bangla Sangam MN" charset="0"/>
-                <a:cs typeface="Bangla Sangam MN" charset="0"/>
-              </a:rPr>
-              <a:t>Model reionization in a post-processing step.</a:t>
-            </a:r>
-          </a:p>
-          <a:p>
-            <a:pPr marL="285750" indent="-285750">
-              <a:buFont typeface="Arial" charset="0"/>
-              <a:buChar char="•"/>
-            </a:pPr>
-            <a:endParaRPr lang="en-US" sz="2400" dirty="0" smtClean="0">
-              <a:solidFill>
-                <a:schemeClr val="bg1"/>
-              </a:solidFill>
-              <a:latin typeface="Bangla Sangam MN" charset="0"/>
-              <a:ea typeface="Bangla Sangam MN" charset="0"/>
-              <a:cs typeface="Bangla Sangam MN" charset="0"/>
-            </a:endParaRPr>
-          </a:p>
-          <a:p>
-            <a:pPr marL="285750" indent="-285750">
-              <a:buFont typeface="Arial" charset="0"/>
-              <a:buChar char="•"/>
-            </a:pPr>
-            <a:endParaRPr lang="en-US" sz="2400" dirty="0">
-              <a:solidFill>
-                <a:schemeClr val="bg1"/>
-              </a:solidFill>
-              <a:latin typeface="Bangla Sangam MN" charset="0"/>
-              <a:ea typeface="Bangla Sangam MN" charset="0"/>
-              <a:cs typeface="Bangla Sangam MN" charset="0"/>
-            </a:endParaRPr>
-          </a:p>
-          <a:p>
-            <a:pPr marL="285750" indent="-285750">
-              <a:buFont typeface="Arial" charset="0"/>
-              <a:buChar char="•"/>
-            </a:pPr>
-            <a:r>
-              <a:rPr lang="en-US" sz="2400" dirty="0" smtClean="0">
-                <a:solidFill>
-                  <a:schemeClr val="bg1"/>
-                </a:solidFill>
-                <a:latin typeface="Bangla Sangam MN" charset="0"/>
-                <a:ea typeface="Bangla Sangam MN" charset="0"/>
-                <a:cs typeface="Bangla Sangam MN" charset="0"/>
-              </a:rPr>
-              <a:t>Use SFR </a:t>
-            </a:r>
-            <a:r>
-              <a:rPr lang="en-US" sz="2400" dirty="0">
-                <a:solidFill>
-                  <a:schemeClr val="bg1"/>
-                </a:solidFill>
-                <a:latin typeface="Bangla Sangam MN" charset="0"/>
-                <a:ea typeface="Bangla Sangam MN" charset="0"/>
-                <a:cs typeface="Bangla Sangam MN" charset="0"/>
-              </a:rPr>
-              <a:t>to calculate number of ionizing </a:t>
-            </a:r>
-            <a:r>
-              <a:rPr lang="en-US" sz="2400" dirty="0" smtClean="0">
-                <a:solidFill>
-                  <a:schemeClr val="bg1"/>
-                </a:solidFill>
-                <a:latin typeface="Bangla Sangam MN" charset="0"/>
-                <a:ea typeface="Bangla Sangam MN" charset="0"/>
-                <a:cs typeface="Bangla Sangam MN" charset="0"/>
-              </a:rPr>
-              <a:t>photons.</a:t>
-            </a:r>
-          </a:p>
-          <a:p>
-            <a:pPr marL="285750" indent="-285750">
-              <a:buFont typeface="Arial" charset="0"/>
-              <a:buChar char="•"/>
-            </a:pPr>
-            <a:endParaRPr lang="en-US" sz="2400" dirty="0" smtClean="0">
-              <a:solidFill>
-                <a:schemeClr val="bg1"/>
-              </a:solidFill>
-              <a:latin typeface="Bangla Sangam MN" charset="0"/>
-              <a:ea typeface="Bangla Sangam MN" charset="0"/>
-              <a:cs typeface="Bangla Sangam MN" charset="0"/>
-            </a:endParaRPr>
-          </a:p>
-          <a:p>
-            <a:pPr marL="285750" indent="-285750">
-              <a:buFont typeface="Arial" charset="0"/>
-              <a:buChar char="•"/>
-            </a:pPr>
-            <a:endParaRPr lang="en-US" sz="2400" dirty="0">
-              <a:solidFill>
-                <a:schemeClr val="bg1"/>
-              </a:solidFill>
-              <a:latin typeface="Bangla Sangam MN" charset="0"/>
-              <a:ea typeface="Bangla Sangam MN" charset="0"/>
-              <a:cs typeface="Bangla Sangam MN" charset="0"/>
-            </a:endParaRPr>
-          </a:p>
-          <a:p>
-            <a:pPr marL="285750" indent="-285750">
-              <a:buFont typeface="Arial" charset="0"/>
-              <a:buChar char="•"/>
-            </a:pPr>
-            <a:r>
-              <a:rPr lang="en-US" sz="2400" dirty="0" smtClean="0">
-                <a:solidFill>
-                  <a:schemeClr val="bg1"/>
-                </a:solidFill>
-                <a:latin typeface="Bangla Sangam MN" charset="0"/>
-                <a:ea typeface="Bangla Sangam MN" charset="0"/>
-                <a:cs typeface="Bangla Sangam MN" charset="0"/>
-              </a:rPr>
-              <a:t>Draw spheres and count the number of ionizing photons + neutral H + recombinations.</a:t>
-            </a:r>
-          </a:p>
-        </p:txBody>
-      </p:sp>
-      <p:pic>
-        <p:nvPicPr>
-          <p:cNvPr id="11" name="out.mp4">
-            <a:hlinkClick r:id="" action="ppaction://media"/>
-          </p:cNvPr>
-          <p:cNvPicPr>
-            <a:picLocks noChangeAspect="1"/>
-          </p:cNvPicPr>
-          <p:nvPr>
-            <a:videoFile r:link="rId2"/>
-            <p:extLst>
-              <p:ext uri="{DAA4B4D4-6D71-4841-9C94-3DE7FCFB9230}">
-                <p14:media xmlns:p14="http://schemas.microsoft.com/office/powerpoint/2010/main" r:embed="rId1"/>
-              </p:ext>
-            </p:extLst>
-          </p:nvPr>
-        </p:nvPicPr>
-        <p:blipFill>
-          <a:blip r:embed="rId5"/>
-          <a:stretch>
-            <a:fillRect/>
-          </a:stretch>
-        </p:blipFill>
-        <p:spPr>
-          <a:xfrm>
-            <a:off x="6464593" y="1986246"/>
-            <a:ext cx="5322780" cy="3992085"/>
-          </a:xfrm>
-          <a:prstGeom prst="rect">
-            <a:avLst/>
-          </a:prstGeom>
-        </p:spPr>
-      </p:pic>
-    </p:spTree>
-    <p:extLst>
-      <p:ext uri="{BB962C8B-B14F-4D97-AF65-F5344CB8AC3E}">
-        <p14:creationId xmlns:p14="http://schemas.microsoft.com/office/powerpoint/2010/main" val="1822528717"/>
-      </p:ext>
-    </p:extLst>
-  </p:cSld>
-  <p:clrMapOvr>
-    <a:masterClrMapping/>
-  </p:clrMapOvr>
-  <p:timing>
-    <p:tnLst>
-      <p:par>
-        <p:cTn id="1" dur="indefinite" restart="never" nodeType="tmRoot">
-          <p:childTnLst>
-            <p:seq concurrent="1" nextAc="seek">
-              <p:cTn id="2" dur="indefinite" nodeType="mainSeq">
-                <p:childTnLst>
-                  <p:par>
-                    <p:cTn id="3" fill="hold">
-                      <p:stCondLst>
-                        <p:cond delay="indefinite"/>
-                        <p:cond evt="onBegin" delay="0">
-                          <p:tn val="2"/>
-                        </p:cond>
-                      </p:stCondLst>
-                      <p:childTnLst>
-                        <p:par>
-                          <p:cTn id="4" fill="hold">
-                            <p:stCondLst>
-                              <p:cond delay="0"/>
-                            </p:stCondLst>
-                            <p:childTnLst>
-                              <p:par>
-                                <p:cTn id="5" presetID="1" presetClass="mediacall" presetSubtype="0" fill="hold" nodeType="afterEffect">
-                                  <p:stCondLst>
-                                    <p:cond delay="0"/>
-                                  </p:stCondLst>
-                                  <p:childTnLst>
-                                    <p:cmd type="call" cmd="playFrom(0.0)">
-                                      <p:cBhvr>
-                                        <p:cTn id="6" dur="13500" fill="hold"/>
-                                        <p:tgtEl>
-                                          <p:spTgt spid="11"/>
-                                        </p:tgtEl>
-                                      </p:cBhvr>
-                                    </p:cmd>
-                                  </p:childTnLst>
-                                </p:cTn>
-                              </p:par>
-                            </p:childTnLst>
-                          </p:cTn>
-                        </p:par>
-                      </p:childTnLst>
-                    </p:cTn>
-                  </p:par>
-                </p:childTnLst>
-              </p:cTn>
-              <p:prevCondLst>
-                <p:cond evt="onPrev" delay="0">
-                  <p:tgtEl>
-                    <p:sldTgt/>
-                  </p:tgtEl>
-                </p:cond>
-              </p:prevCondLst>
-              <p:nextCondLst>
-                <p:cond evt="onNext" delay="0">
-                  <p:tgtEl>
-                    <p:sldTgt/>
-                  </p:tgtEl>
-                </p:cond>
-              </p:nextCondLst>
-            </p:seq>
-            <p:video>
-              <p:cMediaNode vol="80000">
-                <p:cTn id="7" repeatCount="indefinite" fill="hold" display="0">
-                  <p:stCondLst>
-                    <p:cond delay="indefinite"/>
-                  </p:stCondLst>
-                </p:cTn>
-                <p:tgtEl>
-                  <p:spTgt spid="11"/>
-                </p:tgtEl>
-              </p:cMediaNode>
-            </p:video>
-            <p:seq concurrent="1" nextAc="seek">
-              <p:cTn id="8" restart="whenNotActive" fill="hold" evtFilter="cancelBubble" nodeType="interactiveSeq">
-                <p:stCondLst>
-                  <p:cond evt="onClick" delay="0">
-                    <p:tgtEl>
-                      <p:spTgt spid="11"/>
-                    </p:tgtEl>
-                  </p:cond>
-                </p:stCondLst>
-                <p:endSync evt="end" delay="0">
-                  <p:rtn val="all"/>
-                </p:endSync>
-                <p:childTnLst>
-                  <p:par>
-                    <p:cTn id="9" fill="hold">
-                      <p:stCondLst>
-                        <p:cond delay="0"/>
-                      </p:stCondLst>
-                      <p:childTnLst>
-                        <p:par>
-                          <p:cTn id="10" fill="hold">
-                            <p:stCondLst>
-                              <p:cond delay="0"/>
-                            </p:stCondLst>
-                            <p:childTnLst>
-                              <p:par>
-                                <p:cTn id="11" presetID="2" presetClass="mediacall" presetSubtype="0" fill="hold" nodeType="clickEffect">
-                                  <p:stCondLst>
-                                    <p:cond delay="0"/>
-                                  </p:stCondLst>
-                                  <p:childTnLst>
-                                    <p:cmd type="call" cmd="togglePause">
-                                      <p:cBhvr>
-                                        <p:cTn id="12" dur="1" fill="hold"/>
-                                        <p:tgtEl>
-                                          <p:spTgt spid="11"/>
-                                        </p:tgtEl>
-                                      </p:cBhvr>
-                                    </p:cmd>
-                                  </p:childTnLst>
-                                </p:cTn>
-                              </p:par>
-                            </p:childTnLst>
-                          </p:cTn>
-                        </p:par>
-                      </p:childTnLst>
-                    </p:cTn>
-                  </p:par>
-                </p:childTnLst>
-              </p:cTn>
-              <p:nextCondLst>
-                <p:cond evt="onClick" delay="0">
-                  <p:tgtEl>
-                    <p:spTgt spid="11"/>
-                  </p:tgtEl>
-                </p:cond>
-              </p:nextCondLst>
-            </p:seq>
-          </p:childTnLst>
-        </p:cTn>
-      </p:par>
-    </p:tnLst>
-  </p:timing>
-</p:sld>
-</file>
-
-<file path=ppt/slides/slide11.xml><?xml version="1.0" encoding="utf-8"?>
-<p:sld xmlns:a="http://schemas.openxmlformats.org/drawingml/2006/main" xmlns:r="http://schemas.openxmlformats.org/officeDocument/2006/relationships" xmlns:p="http://schemas.openxmlformats.org/presentationml/2006/main">
-  <p:cSld>
-    <p:spTree>
-      <p:nvGrpSpPr>
-        <p:cNvPr id="1" name=""/>
-        <p:cNvGrpSpPr/>
-        <p:nvPr/>
-      </p:nvGrpSpPr>
-      <p:grpSpPr>
-        <a:xfrm>
-          <a:off x="0" y="0"/>
-          <a:ext cx="0" cy="0"/>
-          <a:chOff x="0" y="0"/>
-          <a:chExt cx="0" cy="0"/>
-        </a:xfrm>
-      </p:grpSpPr>
-      <p:sp>
-        <p:nvSpPr>
-          <p:cNvPr id="7" name="Title 1"/>
-          <p:cNvSpPr>
-            <a:spLocks noGrp="1"/>
-          </p:cNvSpPr>
-          <p:nvPr>
-            <p:ph type="ctrTitle"/>
-          </p:nvPr>
-        </p:nvSpPr>
-        <p:spPr>
-          <a:xfrm>
-            <a:off x="0" y="0"/>
-            <a:ext cx="12057088" cy="1350831"/>
-          </a:xfrm>
-        </p:spPr>
-        <p:txBody>
-          <a:bodyPr>
-            <a:normAutofit fontScale="90000"/>
-          </a:bodyPr>
-          <a:lstStyle/>
-          <a:p>
-            <a:r>
-              <a:rPr lang="en-US" b="1" dirty="0" smtClean="0">
-                <a:ln>
-                  <a:solidFill>
-                    <a:schemeClr val="tx1">
-                      <a:alpha val="70000"/>
-                    </a:schemeClr>
-                  </a:solidFill>
-                </a:ln>
-                <a:solidFill>
-                  <a:srgbClr val="C49B00"/>
-                </a:solidFill>
-                <a:latin typeface="Bangla Sangam MN" charset="0"/>
-                <a:ea typeface="Bangla Sangam MN" charset="0"/>
-                <a:cs typeface="Bangla Sangam MN" charset="0"/>
-              </a:rPr>
-              <a:t>Escape </a:t>
-            </a:r>
-            <a:r>
-              <a:rPr lang="en-US" b="1" smtClean="0">
-                <a:ln>
-                  <a:solidFill>
-                    <a:schemeClr val="tx1">
-                      <a:alpha val="70000"/>
-                    </a:schemeClr>
-                  </a:solidFill>
-                </a:ln>
-                <a:solidFill>
-                  <a:srgbClr val="C49B00"/>
-                </a:solidFill>
-                <a:latin typeface="Bangla Sangam MN" charset="0"/>
-                <a:ea typeface="Bangla Sangam MN" charset="0"/>
-                <a:cs typeface="Bangla Sangam MN" charset="0"/>
-              </a:rPr>
-              <a:t>Fraction Parameterization</a:t>
-            </a:r>
-            <a:endParaRPr lang="en-US" b="1" dirty="0">
-              <a:ln>
-                <a:solidFill>
-                  <a:schemeClr val="tx1">
-                    <a:alpha val="70000"/>
-                  </a:schemeClr>
-                </a:solidFill>
-              </a:ln>
-              <a:solidFill>
-                <a:srgbClr val="C49B00"/>
-              </a:solidFill>
-              <a:latin typeface="Bangla Sangam MN" charset="0"/>
-              <a:ea typeface="Bangla Sangam MN" charset="0"/>
-              <a:cs typeface="Bangla Sangam MN" charset="0"/>
-            </a:endParaRPr>
-          </a:p>
-        </p:txBody>
-      </p:sp>
-      <p:sp>
-        <p:nvSpPr>
-          <p:cNvPr id="5" name="Rectangle 4"/>
-          <p:cNvSpPr/>
-          <p:nvPr/>
-        </p:nvSpPr>
-        <p:spPr>
-          <a:xfrm>
-            <a:off x="3536117" y="1883119"/>
-            <a:ext cx="5023266" cy="866752"/>
-          </a:xfrm>
-          <a:prstGeom prst="rect">
-            <a:avLst/>
-          </a:prstGeom>
-          <a:solidFill>
-            <a:schemeClr val="bg1"/>
-          </a:solidFill>
-          <a:effectLst>
-            <a:glow rad="127000">
-              <a:srgbClr val="D71E02">
-                <a:alpha val="68000"/>
-              </a:srgbClr>
-            </a:glow>
-          </a:effectLst>
-        </p:spPr>
-        <p:style>
-          <a:lnRef idx="2">
-            <a:schemeClr val="accent1">
-              <a:shade val="50000"/>
-            </a:schemeClr>
-          </a:lnRef>
-          <a:fillRef idx="1">
-            <a:schemeClr val="accent1"/>
-          </a:fillRef>
-          <a:effectRef idx="0">
-            <a:schemeClr val="accent1"/>
-          </a:effectRef>
-          <a:fontRef idx="minor">
-            <a:schemeClr val="lt1"/>
-          </a:fontRef>
-        </p:style>
-        <p:txBody>
-          <a:bodyPr rtlCol="0" anchor="ctr"/>
-          <a:lstStyle/>
-          <a:p>
-            <a:pPr algn="ctr"/>
-            <a:endParaRPr lang="en-US"/>
-          </a:p>
-        </p:txBody>
-      </p:sp>
-      <p:pic>
-        <p:nvPicPr>
-          <p:cNvPr id="2" name="Picture 1"/>
-          <p:cNvPicPr preferRelativeResize="0">
-            <a:picLocks/>
-          </p:cNvPicPr>
-          <p:nvPr/>
-        </p:nvPicPr>
-        <p:blipFill>
-          <a:blip r:embed="rId3">
-            <a:extLst>
-              <a:ext uri="{28A0092B-C50C-407E-A947-70E740481C1C}">
-                <a14:useLocalDpi xmlns:a14="http://schemas.microsoft.com/office/drawing/2010/main" val="0"/>
-              </a:ext>
-            </a:extLst>
-          </a:blip>
-          <a:stretch>
-            <a:fillRect/>
-          </a:stretch>
-        </p:blipFill>
-        <p:spPr>
-          <a:xfrm>
-            <a:off x="3844352" y="2027212"/>
-            <a:ext cx="4361939" cy="588823"/>
-          </a:xfrm>
-          <a:prstGeom prst="rect">
-            <a:avLst/>
-          </a:prstGeom>
-        </p:spPr>
-      </p:pic>
-      <p:sp>
-        <p:nvSpPr>
-          <p:cNvPr id="10" name="Rectangle 9"/>
-          <p:cNvSpPr/>
-          <p:nvPr/>
-        </p:nvSpPr>
-        <p:spPr>
-          <a:xfrm>
-            <a:off x="3513687" y="3292044"/>
-            <a:ext cx="5045696" cy="1145041"/>
-          </a:xfrm>
-          <a:prstGeom prst="rect">
-            <a:avLst/>
-          </a:prstGeom>
-          <a:solidFill>
-            <a:schemeClr val="bg1"/>
-          </a:solidFill>
-          <a:effectLst>
-            <a:glow rad="127000">
-              <a:srgbClr val="D71E02">
-                <a:alpha val="68000"/>
-              </a:srgbClr>
-            </a:glow>
-          </a:effectLst>
-        </p:spPr>
-        <p:style>
-          <a:lnRef idx="2">
-            <a:schemeClr val="accent1">
-              <a:shade val="50000"/>
-            </a:schemeClr>
-          </a:lnRef>
-          <a:fillRef idx="1">
-            <a:schemeClr val="accent1"/>
-          </a:fillRef>
-          <a:effectRef idx="0">
-            <a:schemeClr val="accent1"/>
-          </a:effectRef>
-          <a:fontRef idx="minor">
-            <a:schemeClr val="lt1"/>
-          </a:fontRef>
-        </p:style>
-        <p:txBody>
-          <a:bodyPr rtlCol="0" anchor="ctr"/>
-          <a:lstStyle/>
-          <a:p>
-            <a:pPr algn="ctr"/>
-            <a:endParaRPr lang="en-US"/>
-          </a:p>
-        </p:txBody>
-      </p:sp>
-      <p:sp>
-        <p:nvSpPr>
-          <p:cNvPr id="12" name="Rectangle 11"/>
-          <p:cNvSpPr/>
-          <p:nvPr/>
-        </p:nvSpPr>
-        <p:spPr>
-          <a:xfrm>
-            <a:off x="3536117" y="4931311"/>
-            <a:ext cx="5023266" cy="962870"/>
-          </a:xfrm>
-          <a:prstGeom prst="rect">
-            <a:avLst/>
-          </a:prstGeom>
-          <a:solidFill>
-            <a:schemeClr val="bg1"/>
-          </a:solidFill>
-          <a:effectLst>
-            <a:glow rad="127000">
-              <a:srgbClr val="D71E02">
-                <a:alpha val="68000"/>
-              </a:srgbClr>
-            </a:glow>
-          </a:effectLst>
-        </p:spPr>
-        <p:style>
-          <a:lnRef idx="2">
-            <a:schemeClr val="accent1">
-              <a:shade val="50000"/>
-            </a:schemeClr>
-          </a:lnRef>
-          <a:fillRef idx="1">
-            <a:schemeClr val="accent1"/>
-          </a:fillRef>
-          <a:effectRef idx="0">
-            <a:schemeClr val="accent1"/>
-          </a:effectRef>
-          <a:fontRef idx="minor">
-            <a:schemeClr val="lt1"/>
-          </a:fontRef>
-        </p:style>
-        <p:txBody>
-          <a:bodyPr rtlCol="0" anchor="ctr"/>
-          <a:lstStyle/>
-          <a:p>
-            <a:pPr algn="ctr"/>
-            <a:endParaRPr lang="en-US"/>
-          </a:p>
-        </p:txBody>
-      </p:sp>
-      <p:pic>
-        <p:nvPicPr>
-          <p:cNvPr id="8" name="Picture 7"/>
-          <p:cNvPicPr>
-            <a:picLocks noChangeAspect="1"/>
-          </p:cNvPicPr>
-          <p:nvPr/>
-        </p:nvPicPr>
-        <p:blipFill>
-          <a:blip r:embed="rId4">
-            <a:extLst>
-              <a:ext uri="{28A0092B-C50C-407E-A947-70E740481C1C}">
-                <a14:useLocalDpi xmlns:a14="http://schemas.microsoft.com/office/drawing/2010/main" val="0"/>
-              </a:ext>
-            </a:extLst>
-          </a:blip>
-          <a:stretch>
-            <a:fillRect/>
-          </a:stretch>
-        </p:blipFill>
-        <p:spPr>
-          <a:xfrm>
-            <a:off x="3663405" y="5053879"/>
-            <a:ext cx="4851191" cy="717734"/>
-          </a:xfrm>
-          <a:prstGeom prst="rect">
-            <a:avLst/>
-          </a:prstGeom>
-        </p:spPr>
-      </p:pic>
-      <p:pic>
-        <p:nvPicPr>
-          <p:cNvPr id="13" name="Picture 12"/>
-          <p:cNvPicPr>
-            <a:picLocks noChangeAspect="1"/>
-          </p:cNvPicPr>
-          <p:nvPr/>
-        </p:nvPicPr>
-        <p:blipFill>
-          <a:blip r:embed="rId5">
-            <a:extLst>
-              <a:ext uri="{28A0092B-C50C-407E-A947-70E740481C1C}">
-                <a14:useLocalDpi xmlns:a14="http://schemas.microsoft.com/office/drawing/2010/main" val="0"/>
-              </a:ext>
-            </a:extLst>
-          </a:blip>
-          <a:stretch>
-            <a:fillRect/>
-          </a:stretch>
-        </p:blipFill>
-        <p:spPr>
-          <a:xfrm>
-            <a:off x="4124472" y="3366995"/>
-            <a:ext cx="3801697" cy="1004938"/>
-          </a:xfrm>
-          <a:prstGeom prst="rect">
-            <a:avLst/>
-          </a:prstGeom>
-        </p:spPr>
-      </p:pic>
-      <p:sp>
-        <p:nvSpPr>
-          <p:cNvPr id="18" name="Rectangle 17"/>
-          <p:cNvSpPr/>
-          <p:nvPr/>
-        </p:nvSpPr>
-        <p:spPr>
-          <a:xfrm rot="3687292">
-            <a:off x="7861075" y="3528143"/>
-            <a:ext cx="4911915" cy="866752"/>
-          </a:xfrm>
-          <a:prstGeom prst="rect">
-            <a:avLst/>
-          </a:prstGeom>
-          <a:solidFill>
-            <a:schemeClr val="bg1"/>
-          </a:solidFill>
-          <a:effectLst>
-            <a:glow rad="127000">
-              <a:srgbClr val="D71E02">
-                <a:alpha val="68000"/>
-              </a:srgbClr>
-            </a:glow>
-          </a:effectLst>
-        </p:spPr>
-        <p:style>
-          <a:lnRef idx="2">
-            <a:schemeClr val="accent1">
-              <a:shade val="50000"/>
-            </a:schemeClr>
-          </a:lnRef>
-          <a:fillRef idx="1">
-            <a:schemeClr val="accent1"/>
-          </a:fillRef>
-          <a:effectRef idx="0">
-            <a:schemeClr val="accent1"/>
-          </a:effectRef>
-          <a:fontRef idx="minor">
-            <a:schemeClr val="lt1"/>
-          </a:fontRef>
-        </p:style>
-        <p:txBody>
-          <a:bodyPr rtlCol="0" anchor="ctr"/>
-          <a:lstStyle/>
-          <a:p>
-            <a:pPr algn="ctr"/>
-            <a:endParaRPr lang="en-US"/>
-          </a:p>
-        </p:txBody>
-      </p:sp>
-      <p:pic>
-        <p:nvPicPr>
-          <p:cNvPr id="17" name="Picture 16"/>
-          <p:cNvPicPr>
-            <a:picLocks noChangeAspect="1"/>
-          </p:cNvPicPr>
-          <p:nvPr/>
-        </p:nvPicPr>
-        <p:blipFill>
-          <a:blip r:embed="rId6">
-            <a:extLst>
-              <a:ext uri="{28A0092B-C50C-407E-A947-70E740481C1C}">
-                <a14:useLocalDpi xmlns:a14="http://schemas.microsoft.com/office/drawing/2010/main" val="0"/>
-              </a:ext>
-            </a:extLst>
-          </a:blip>
-          <a:stretch>
-            <a:fillRect/>
-          </a:stretch>
-        </p:blipFill>
-        <p:spPr>
-          <a:xfrm rot="3687292">
-            <a:off x="8064901" y="3573355"/>
-            <a:ext cx="4547656" cy="773203"/>
-          </a:xfrm>
-          <a:prstGeom prst="rect">
-            <a:avLst/>
-          </a:prstGeom>
-        </p:spPr>
-      </p:pic>
-      <p:sp>
-        <p:nvSpPr>
-          <p:cNvPr id="19" name="Rectangle 18"/>
-          <p:cNvSpPr/>
-          <p:nvPr/>
-        </p:nvSpPr>
-        <p:spPr>
-          <a:xfrm rot="982949">
-            <a:off x="5103254" y="4249894"/>
-            <a:ext cx="5023266" cy="866752"/>
-          </a:xfrm>
-          <a:prstGeom prst="rect">
-            <a:avLst/>
-          </a:prstGeom>
-          <a:solidFill>
-            <a:schemeClr val="bg1"/>
-          </a:solidFill>
-          <a:effectLst>
-            <a:glow rad="127000">
-              <a:srgbClr val="D71E02">
-                <a:alpha val="68000"/>
-              </a:srgbClr>
-            </a:glow>
-          </a:effectLst>
-        </p:spPr>
-        <p:style>
-          <a:lnRef idx="2">
-            <a:schemeClr val="accent1">
-              <a:shade val="50000"/>
-            </a:schemeClr>
-          </a:lnRef>
-          <a:fillRef idx="1">
-            <a:schemeClr val="accent1"/>
-          </a:fillRef>
-          <a:effectRef idx="0">
-            <a:schemeClr val="accent1"/>
-          </a:effectRef>
-          <a:fontRef idx="minor">
-            <a:schemeClr val="lt1"/>
-          </a:fontRef>
-        </p:style>
-        <p:txBody>
-          <a:bodyPr rtlCol="0" anchor="ctr"/>
-          <a:lstStyle/>
-          <a:p>
-            <a:pPr algn="ctr"/>
-            <a:endParaRPr lang="en-US"/>
-          </a:p>
-        </p:txBody>
-      </p:sp>
-      <p:pic>
-        <p:nvPicPr>
-          <p:cNvPr id="20" name="Picture 19"/>
-          <p:cNvPicPr>
-            <a:picLocks noChangeAspect="1"/>
-          </p:cNvPicPr>
-          <p:nvPr/>
-        </p:nvPicPr>
-        <p:blipFill>
-          <a:blip r:embed="rId7">
-            <a:extLst>
-              <a:ext uri="{28A0092B-C50C-407E-A947-70E740481C1C}">
-                <a14:useLocalDpi xmlns:a14="http://schemas.microsoft.com/office/drawing/2010/main" val="0"/>
-              </a:ext>
-            </a:extLst>
-          </a:blip>
-          <a:stretch>
-            <a:fillRect/>
-          </a:stretch>
-        </p:blipFill>
-        <p:spPr>
-          <a:xfrm rot="982949">
-            <a:off x="5419825" y="4322841"/>
-            <a:ext cx="4390124" cy="768777"/>
-          </a:xfrm>
-          <a:prstGeom prst="rect">
-            <a:avLst/>
-          </a:prstGeom>
-        </p:spPr>
-      </p:pic>
-      <p:sp>
-        <p:nvSpPr>
-          <p:cNvPr id="21" name="Rectangle 20"/>
-          <p:cNvSpPr/>
-          <p:nvPr/>
-        </p:nvSpPr>
-        <p:spPr>
-          <a:xfrm rot="21065017">
-            <a:off x="181675" y="4714541"/>
-            <a:ext cx="5023266" cy="866752"/>
-          </a:xfrm>
-          <a:prstGeom prst="rect">
-            <a:avLst/>
-          </a:prstGeom>
-          <a:solidFill>
-            <a:schemeClr val="bg1"/>
-          </a:solidFill>
-          <a:effectLst>
-            <a:glow rad="127000">
-              <a:srgbClr val="D71E02">
-                <a:alpha val="68000"/>
-              </a:srgbClr>
-            </a:glow>
-          </a:effectLst>
-        </p:spPr>
-        <p:style>
-          <a:lnRef idx="2">
-            <a:schemeClr val="accent1">
-              <a:shade val="50000"/>
-            </a:schemeClr>
-          </a:lnRef>
-          <a:fillRef idx="1">
-            <a:schemeClr val="accent1"/>
-          </a:fillRef>
-          <a:effectRef idx="0">
-            <a:schemeClr val="accent1"/>
-          </a:effectRef>
-          <a:fontRef idx="minor">
-            <a:schemeClr val="lt1"/>
-          </a:fontRef>
-        </p:style>
-        <p:txBody>
-          <a:bodyPr rtlCol="0" anchor="ctr"/>
-          <a:lstStyle/>
-          <a:p>
-            <a:pPr algn="ctr"/>
-            <a:endParaRPr lang="en-US"/>
-          </a:p>
-        </p:txBody>
-      </p:sp>
-      <p:sp>
-        <p:nvSpPr>
-          <p:cNvPr id="22" name="TextBox 21"/>
-          <p:cNvSpPr txBox="1"/>
-          <p:nvPr/>
-        </p:nvSpPr>
-        <p:spPr>
-          <a:xfrm rot="21065017">
-            <a:off x="301132" y="4783248"/>
-            <a:ext cx="4673567" cy="769441"/>
-          </a:xfrm>
-          <a:prstGeom prst="rect">
-            <a:avLst/>
-          </a:prstGeom>
-          <a:noFill/>
-        </p:spPr>
-        <p:txBody>
-          <a:bodyPr wrap="square" rtlCol="0">
-            <a:spAutoFit/>
-          </a:bodyPr>
-          <a:lstStyle/>
-          <a:p>
-            <a:pPr algn="ctr"/>
-            <a:r>
-              <a:rPr lang="en-US" sz="4400" dirty="0" smtClean="0">
-                <a:latin typeface="Comic Sans MS" charset="0"/>
-                <a:ea typeface="Comic Sans MS" charset="0"/>
-                <a:cs typeface="Comic Sans MS" charset="0"/>
-              </a:rPr>
-              <a:t>Sample Text</a:t>
-            </a:r>
-            <a:endParaRPr lang="en-US" sz="4400" dirty="0">
-              <a:latin typeface="Comic Sans MS" charset="0"/>
-              <a:ea typeface="Comic Sans MS" charset="0"/>
-              <a:cs typeface="Comic Sans MS" charset="0"/>
-            </a:endParaRPr>
-          </a:p>
-        </p:txBody>
-      </p:sp>
-      <p:sp>
-        <p:nvSpPr>
-          <p:cNvPr id="25" name="Rectangle 24"/>
-          <p:cNvSpPr/>
-          <p:nvPr/>
-        </p:nvSpPr>
-        <p:spPr>
-          <a:xfrm rot="21228955">
-            <a:off x="2955358" y="2491184"/>
-            <a:ext cx="6461986" cy="837866"/>
-          </a:xfrm>
-          <a:prstGeom prst="rect">
-            <a:avLst/>
-          </a:prstGeom>
-          <a:solidFill>
-            <a:schemeClr val="bg1"/>
-          </a:solidFill>
-          <a:effectLst>
-            <a:glow rad="127000">
-              <a:srgbClr val="D71E02">
-                <a:alpha val="68000"/>
-              </a:srgbClr>
-            </a:glow>
-          </a:effectLst>
-        </p:spPr>
-        <p:style>
-          <a:lnRef idx="2">
-            <a:schemeClr val="accent1">
-              <a:shade val="50000"/>
-            </a:schemeClr>
-          </a:lnRef>
-          <a:fillRef idx="1">
-            <a:schemeClr val="accent1"/>
-          </a:fillRef>
-          <a:effectRef idx="0">
-            <a:schemeClr val="accent1"/>
-          </a:effectRef>
-          <a:fontRef idx="minor">
-            <a:schemeClr val="lt1"/>
-          </a:fontRef>
-        </p:style>
-        <p:txBody>
-          <a:bodyPr rtlCol="0" anchor="ctr"/>
-          <a:lstStyle/>
-          <a:p>
-            <a:pPr algn="ctr"/>
-            <a:endParaRPr lang="en-US"/>
-          </a:p>
-        </p:txBody>
-      </p:sp>
-      <p:pic>
-        <p:nvPicPr>
-          <p:cNvPr id="24" name="Picture 23"/>
-          <p:cNvPicPr>
-            <a:picLocks noChangeAspect="1"/>
-          </p:cNvPicPr>
-          <p:nvPr/>
-        </p:nvPicPr>
-        <p:blipFill>
-          <a:blip r:embed="rId8">
-            <a:extLst>
-              <a:ext uri="{28A0092B-C50C-407E-A947-70E740481C1C}">
-                <a14:useLocalDpi xmlns:a14="http://schemas.microsoft.com/office/drawing/2010/main" val="0"/>
-              </a:ext>
-            </a:extLst>
-          </a:blip>
-          <a:stretch>
-            <a:fillRect/>
-          </a:stretch>
-        </p:blipFill>
-        <p:spPr>
-          <a:xfrm rot="21228955">
-            <a:off x="3022674" y="2599481"/>
-            <a:ext cx="6394670" cy="662118"/>
-          </a:xfrm>
-          <a:prstGeom prst="rect">
-            <a:avLst/>
-          </a:prstGeom>
-        </p:spPr>
-      </p:pic>
-      <p:sp>
-        <p:nvSpPr>
-          <p:cNvPr id="14" name="Rectangle 13"/>
-          <p:cNvSpPr/>
-          <p:nvPr/>
-        </p:nvSpPr>
-        <p:spPr>
-          <a:xfrm rot="17150999">
-            <a:off x="-272768" y="3701298"/>
-            <a:ext cx="4964723" cy="878894"/>
-          </a:xfrm>
-          <a:prstGeom prst="rect">
-            <a:avLst/>
-          </a:prstGeom>
-          <a:solidFill>
-            <a:schemeClr val="bg1"/>
-          </a:solidFill>
-          <a:effectLst>
-            <a:glow rad="127000">
-              <a:srgbClr val="D71E02">
-                <a:alpha val="68000"/>
-              </a:srgbClr>
-            </a:glow>
-          </a:effectLst>
-        </p:spPr>
-        <p:style>
-          <a:lnRef idx="2">
-            <a:schemeClr val="accent1">
-              <a:shade val="50000"/>
-            </a:schemeClr>
-          </a:lnRef>
-          <a:fillRef idx="1">
-            <a:schemeClr val="accent1"/>
-          </a:fillRef>
-          <a:effectRef idx="0">
-            <a:schemeClr val="accent1"/>
-          </a:effectRef>
-          <a:fontRef idx="minor">
-            <a:schemeClr val="lt1"/>
-          </a:fontRef>
-        </p:style>
-        <p:txBody>
-          <a:bodyPr rtlCol="0" anchor="ctr"/>
-          <a:lstStyle/>
-          <a:p>
-            <a:pPr algn="ctr"/>
-            <a:endParaRPr lang="en-US"/>
-          </a:p>
-        </p:txBody>
-      </p:sp>
-      <p:pic>
-        <p:nvPicPr>
-          <p:cNvPr id="15" name="Picture 14"/>
-          <p:cNvPicPr>
-            <a:picLocks noChangeAspect="1"/>
-          </p:cNvPicPr>
-          <p:nvPr/>
-        </p:nvPicPr>
-        <p:blipFill>
-          <a:blip r:embed="rId9">
-            <a:extLst>
-              <a:ext uri="{28A0092B-C50C-407E-A947-70E740481C1C}">
-                <a14:useLocalDpi xmlns:a14="http://schemas.microsoft.com/office/drawing/2010/main" val="0"/>
-              </a:ext>
-            </a:extLst>
-          </a:blip>
-          <a:stretch>
-            <a:fillRect/>
-          </a:stretch>
-        </p:blipFill>
-        <p:spPr>
-          <a:xfrm rot="17150999">
-            <a:off x="-243955" y="3885916"/>
-            <a:ext cx="4883750" cy="545831"/>
-          </a:xfrm>
-          <a:prstGeom prst="rect">
-            <a:avLst/>
-          </a:prstGeom>
-        </p:spPr>
-      </p:pic>
-      <p:sp>
-        <p:nvSpPr>
-          <p:cNvPr id="27" name="Rectangle 26"/>
-          <p:cNvSpPr/>
-          <p:nvPr/>
-        </p:nvSpPr>
-        <p:spPr>
-          <a:xfrm>
-            <a:off x="1007334" y="3193024"/>
-            <a:ext cx="10178825" cy="1101627"/>
-          </a:xfrm>
-          <a:prstGeom prst="rect">
-            <a:avLst/>
-          </a:prstGeom>
-          <a:solidFill>
-            <a:schemeClr val="bg1"/>
-          </a:solidFill>
-          <a:effectLst>
-            <a:glow rad="127000">
-              <a:srgbClr val="D71E02">
-                <a:alpha val="68000"/>
-              </a:srgbClr>
-            </a:glow>
-          </a:effectLst>
-        </p:spPr>
-        <p:style>
-          <a:lnRef idx="2">
-            <a:schemeClr val="accent1">
-              <a:shade val="50000"/>
-            </a:schemeClr>
-          </a:lnRef>
-          <a:fillRef idx="1">
-            <a:schemeClr val="accent1"/>
-          </a:fillRef>
-          <a:effectRef idx="0">
-            <a:schemeClr val="accent1"/>
-          </a:effectRef>
-          <a:fontRef idx="minor">
-            <a:schemeClr val="lt1"/>
-          </a:fontRef>
-        </p:style>
-        <p:txBody>
-          <a:bodyPr rtlCol="0" anchor="ctr"/>
-          <a:lstStyle/>
-          <a:p>
-            <a:pPr algn="ctr"/>
-            <a:endParaRPr lang="en-US"/>
-          </a:p>
-        </p:txBody>
-      </p:sp>
-      <p:pic>
-        <p:nvPicPr>
-          <p:cNvPr id="28" name="Picture 27"/>
-          <p:cNvPicPr>
-            <a:picLocks noChangeAspect="1"/>
-          </p:cNvPicPr>
-          <p:nvPr/>
-        </p:nvPicPr>
-        <p:blipFill>
-          <a:blip r:embed="rId10">
-            <a:extLst>
-              <a:ext uri="{28A0092B-C50C-407E-A947-70E740481C1C}">
-                <a14:useLocalDpi xmlns:a14="http://schemas.microsoft.com/office/drawing/2010/main" val="0"/>
-              </a:ext>
-            </a:extLst>
-          </a:blip>
-          <a:stretch>
-            <a:fillRect/>
-          </a:stretch>
-        </p:blipFill>
-        <p:spPr>
-          <a:xfrm>
-            <a:off x="1067546" y="3432495"/>
-            <a:ext cx="10058400" cy="641307"/>
-          </a:xfrm>
-          <a:prstGeom prst="rect">
-            <a:avLst/>
-          </a:prstGeom>
-        </p:spPr>
-      </p:pic>
-    </p:spTree>
-    <p:extLst>
-      <p:ext uri="{BB962C8B-B14F-4D97-AF65-F5344CB8AC3E}">
-        <p14:creationId xmlns:p14="http://schemas.microsoft.com/office/powerpoint/2010/main" val="1953805426"/>
-      </p:ext>
-    </p:extLst>
-  </p:cSld>
-  <p:clrMapOvr>
-    <a:masterClrMapping/>
-  </p:clrMapOvr>
-  <mc:AlternateContent xmlns:mc="http://schemas.openxmlformats.org/markup-compatibility/2006" xmlns:p14="http://schemas.microsoft.com/office/powerpoint/2010/main">
-    <mc:Choice Requires="p14">
-      <p:transition spd="slow" p14:dur="2000"/>
-    </mc:Choice>
-    <mc:Fallback xmlns="">
-      <p:transition spd="slow"/>
-    </mc:Fallback>
-  </mc:AlternateContent>
-  <p:timing>
-    <p:tnLst>
-      <p:par>
-        <p:cTn id="1" dur="indefinite" restart="never" nodeType="tmRoot">
-          <p:childTnLst>
-            <p:seq concurrent="1" nextAc="seek">
-              <p:cTn id="2" dur="indefinite" nodeType="mainSeq">
-                <p:childTnLst>
-                  <p:par>
-                    <p:cTn id="3" fill="hold">
-                      <p:stCondLst>
-                        <p:cond delay="indefinite"/>
-                      </p:stCondLst>
-                      <p:childTnLst>
-                        <p:par>
-                          <p:cTn id="4" fill="hold">
-                            <p:stCondLst>
-                              <p:cond delay="0"/>
-                            </p:stCondLst>
-                            <p:childTnLst>
-                              <p:par>
-                                <p:cTn id="5" presetID="1" presetClass="entr" presetSubtype="0" fill="hold" nodeType="clickEffect">
-                                  <p:stCondLst>
-                                    <p:cond delay="0"/>
-                                  </p:stCondLst>
-                                  <p:childTnLst>
-                                    <p:set>
-                                      <p:cBhvr>
-                                        <p:cTn id="6" dur="1" fill="hold">
-                                          <p:stCondLst>
-                                            <p:cond delay="0"/>
-                                          </p:stCondLst>
-                                        </p:cTn>
-                                        <p:tgtEl>
-                                          <p:spTgt spid="20"/>
-                                        </p:tgtEl>
-                                        <p:attrNameLst>
-                                          <p:attrName>style.visibility</p:attrName>
-                                        </p:attrNameLst>
-                                      </p:cBhvr>
-                                      <p:to>
-                                        <p:strVal val="visible"/>
-                                      </p:to>
-                                    </p:set>
-                                  </p:childTnLst>
-                                </p:cTn>
-                              </p:par>
-                              <p:par>
-                                <p:cTn id="7" presetID="1" presetClass="entr" presetSubtype="0" fill="hold" grpId="0" nodeType="withEffect">
-                                  <p:stCondLst>
-                                    <p:cond delay="0"/>
-                                  </p:stCondLst>
-                                  <p:childTnLst>
-                                    <p:set>
-                                      <p:cBhvr>
-                                        <p:cTn id="8" dur="1" fill="hold">
-                                          <p:stCondLst>
-                                            <p:cond delay="0"/>
-                                          </p:stCondLst>
-                                        </p:cTn>
-                                        <p:tgtEl>
-                                          <p:spTgt spid="19"/>
-                                        </p:tgtEl>
-                                        <p:attrNameLst>
-                                          <p:attrName>style.visibility</p:attrName>
-                                        </p:attrNameLst>
-                                      </p:cBhvr>
-                                      <p:to>
-                                        <p:strVal val="visible"/>
-                                      </p:to>
-                                    </p:set>
-                                  </p:childTnLst>
-                                </p:cTn>
-                              </p:par>
-                            </p:childTnLst>
-                          </p:cTn>
-                        </p:par>
-                      </p:childTnLst>
-                    </p:cTn>
-                  </p:par>
-                  <p:par>
-                    <p:cTn id="9" fill="hold">
-                      <p:stCondLst>
-                        <p:cond delay="indefinite"/>
-                      </p:stCondLst>
-                      <p:childTnLst>
-                        <p:par>
-                          <p:cTn id="10" fill="hold">
-                            <p:stCondLst>
-                              <p:cond delay="0"/>
-                            </p:stCondLst>
-                            <p:childTnLst>
-                              <p:par>
-                                <p:cTn id="11" presetID="1" presetClass="entr" presetSubtype="0" fill="hold" nodeType="clickEffect">
-                                  <p:stCondLst>
-                                    <p:cond delay="0"/>
-                                  </p:stCondLst>
-                                  <p:childTnLst>
-                                    <p:set>
-                                      <p:cBhvr>
-                                        <p:cTn id="12" dur="1" fill="hold">
-                                          <p:stCondLst>
-                                            <p:cond delay="0"/>
-                                          </p:stCondLst>
-                                        </p:cTn>
-                                        <p:tgtEl>
-                                          <p:spTgt spid="17"/>
-                                        </p:tgtEl>
-                                        <p:attrNameLst>
-                                          <p:attrName>style.visibility</p:attrName>
-                                        </p:attrNameLst>
-                                      </p:cBhvr>
-                                      <p:to>
-                                        <p:strVal val="visible"/>
-                                      </p:to>
-                                    </p:set>
-                                  </p:childTnLst>
-                                </p:cTn>
-                              </p:par>
-                              <p:par>
-                                <p:cTn id="13" presetID="1" presetClass="entr" presetSubtype="0" fill="hold" grpId="0" nodeType="withEffect">
-                                  <p:stCondLst>
-                                    <p:cond delay="0"/>
-                                  </p:stCondLst>
-                                  <p:childTnLst>
-                                    <p:set>
-                                      <p:cBhvr>
-                                        <p:cTn id="14" dur="1" fill="hold">
-                                          <p:stCondLst>
-                                            <p:cond delay="0"/>
-                                          </p:stCondLst>
-                                        </p:cTn>
-                                        <p:tgtEl>
-                                          <p:spTgt spid="18"/>
-                                        </p:tgtEl>
-                                        <p:attrNameLst>
-                                          <p:attrName>style.visibility</p:attrName>
-                                        </p:attrNameLst>
-                                      </p:cBhvr>
-                                      <p:to>
-                                        <p:strVal val="visible"/>
-                                      </p:to>
-                                    </p:set>
-                                  </p:childTnLst>
-                                </p:cTn>
-                              </p:par>
-                            </p:childTnLst>
-                          </p:cTn>
-                        </p:par>
-                      </p:childTnLst>
-                    </p:cTn>
-                  </p:par>
-                  <p:par>
-                    <p:cTn id="15" fill="hold">
-                      <p:stCondLst>
-                        <p:cond delay="indefinite"/>
-                      </p:stCondLst>
-                      <p:childTnLst>
-                        <p:par>
-                          <p:cTn id="16" fill="hold">
-                            <p:stCondLst>
-                              <p:cond delay="0"/>
-                            </p:stCondLst>
-                            <p:childTnLst>
-                              <p:par>
-                                <p:cTn id="17" presetID="1" presetClass="entr" presetSubtype="0" fill="hold" grpId="0" nodeType="clickEffect">
-                                  <p:stCondLst>
-                                    <p:cond delay="0"/>
-                                  </p:stCondLst>
-                                  <p:childTnLst>
-                                    <p:set>
-                                      <p:cBhvr>
-                                        <p:cTn id="18" dur="1" fill="hold">
-                                          <p:stCondLst>
-                                            <p:cond delay="0"/>
-                                          </p:stCondLst>
-                                        </p:cTn>
-                                        <p:tgtEl>
-                                          <p:spTgt spid="22"/>
-                                        </p:tgtEl>
-                                        <p:attrNameLst>
-                                          <p:attrName>style.visibility</p:attrName>
-                                        </p:attrNameLst>
-                                      </p:cBhvr>
-                                      <p:to>
-                                        <p:strVal val="visible"/>
-                                      </p:to>
-                                    </p:set>
-                                  </p:childTnLst>
-                                </p:cTn>
-                              </p:par>
-                              <p:par>
-                                <p:cTn id="19" presetID="1" presetClass="entr" presetSubtype="0" fill="hold" grpId="0" nodeType="withEffect">
-                                  <p:stCondLst>
-                                    <p:cond delay="0"/>
-                                  </p:stCondLst>
-                                  <p:childTnLst>
-                                    <p:set>
-                                      <p:cBhvr>
-                                        <p:cTn id="20" dur="1" fill="hold">
-                                          <p:stCondLst>
-                                            <p:cond delay="0"/>
-                                          </p:stCondLst>
-                                        </p:cTn>
-                                        <p:tgtEl>
-                                          <p:spTgt spid="21"/>
-                                        </p:tgtEl>
-                                        <p:attrNameLst>
-                                          <p:attrName>style.visibility</p:attrName>
-                                        </p:attrNameLst>
-                                      </p:cBhvr>
-                                      <p:to>
-                                        <p:strVal val="visible"/>
-                                      </p:to>
-                                    </p:set>
-                                  </p:childTnLst>
-                                </p:cTn>
-                              </p:par>
-                            </p:childTnLst>
-                          </p:cTn>
-                        </p:par>
-                      </p:childTnLst>
-                    </p:cTn>
-                  </p:par>
-                  <p:par>
-                    <p:cTn id="21" fill="hold">
-                      <p:stCondLst>
-                        <p:cond delay="indefinite"/>
-                      </p:stCondLst>
-                      <p:childTnLst>
-                        <p:par>
-                          <p:cTn id="22" fill="hold">
-                            <p:stCondLst>
-                              <p:cond delay="0"/>
-                            </p:stCondLst>
-                            <p:childTnLst>
-                              <p:par>
-                                <p:cTn id="23" presetID="1" presetClass="entr" presetSubtype="0" fill="hold" grpId="0" nodeType="clickEffect">
-                                  <p:stCondLst>
-                                    <p:cond delay="0"/>
-                                  </p:stCondLst>
-                                  <p:childTnLst>
-                                    <p:set>
-                                      <p:cBhvr>
-                                        <p:cTn id="24" dur="1" fill="hold">
-                                          <p:stCondLst>
-                                            <p:cond delay="0"/>
-                                          </p:stCondLst>
-                                        </p:cTn>
-                                        <p:tgtEl>
-                                          <p:spTgt spid="14"/>
-                                        </p:tgtEl>
-                                        <p:attrNameLst>
-                                          <p:attrName>style.visibility</p:attrName>
-                                        </p:attrNameLst>
-                                      </p:cBhvr>
-                                      <p:to>
-                                        <p:strVal val="visible"/>
-                                      </p:to>
-                                    </p:set>
-                                  </p:childTnLst>
-                                </p:cTn>
-                              </p:par>
-                              <p:par>
-                                <p:cTn id="25" presetID="1" presetClass="entr" presetSubtype="0" fill="hold" nodeType="withEffect">
-                                  <p:stCondLst>
-                                    <p:cond delay="0"/>
-                                  </p:stCondLst>
-                                  <p:childTnLst>
-                                    <p:set>
-                                      <p:cBhvr>
-                                        <p:cTn id="26" dur="1" fill="hold">
-                                          <p:stCondLst>
-                                            <p:cond delay="0"/>
-                                          </p:stCondLst>
-                                        </p:cTn>
-                                        <p:tgtEl>
-                                          <p:spTgt spid="15"/>
-                                        </p:tgtEl>
-                                        <p:attrNameLst>
-                                          <p:attrName>style.visibility</p:attrName>
-                                        </p:attrNameLst>
-                                      </p:cBhvr>
-                                      <p:to>
-                                        <p:strVal val="visible"/>
-                                      </p:to>
-                                    </p:set>
-                                  </p:childTnLst>
-                                </p:cTn>
-                              </p:par>
-                            </p:childTnLst>
-                          </p:cTn>
-                        </p:par>
-                      </p:childTnLst>
-                    </p:cTn>
-                  </p:par>
-                  <p:par>
-                    <p:cTn id="27" fill="hold">
-                      <p:stCondLst>
-                        <p:cond delay="indefinite"/>
-                      </p:stCondLst>
-                      <p:childTnLst>
-                        <p:par>
-                          <p:cTn id="28" fill="hold">
-                            <p:stCondLst>
-                              <p:cond delay="0"/>
-                            </p:stCondLst>
-                            <p:childTnLst>
-                              <p:par>
-                                <p:cTn id="29" presetID="1" presetClass="entr" presetSubtype="0" fill="hold" nodeType="clickEffect">
-                                  <p:stCondLst>
-                                    <p:cond delay="0"/>
-                                  </p:stCondLst>
-                                  <p:childTnLst>
-                                    <p:set>
-                                      <p:cBhvr>
-                                        <p:cTn id="30" dur="1" fill="hold">
-                                          <p:stCondLst>
-                                            <p:cond delay="0"/>
-                                          </p:stCondLst>
-                                        </p:cTn>
-                                        <p:tgtEl>
-                                          <p:spTgt spid="24"/>
-                                        </p:tgtEl>
-                                        <p:attrNameLst>
-                                          <p:attrName>style.visibility</p:attrName>
-                                        </p:attrNameLst>
-                                      </p:cBhvr>
-                                      <p:to>
-                                        <p:strVal val="visible"/>
-                                      </p:to>
-                                    </p:set>
-                                  </p:childTnLst>
-                                </p:cTn>
-                              </p:par>
-                              <p:par>
-                                <p:cTn id="31" presetID="1" presetClass="entr" presetSubtype="0" fill="hold" grpId="0" nodeType="withEffect">
-                                  <p:stCondLst>
-                                    <p:cond delay="0"/>
-                                  </p:stCondLst>
-                                  <p:childTnLst>
-                                    <p:set>
-                                      <p:cBhvr>
-                                        <p:cTn id="32" dur="1" fill="hold">
-                                          <p:stCondLst>
-                                            <p:cond delay="0"/>
-                                          </p:stCondLst>
-                                        </p:cTn>
-                                        <p:tgtEl>
-                                          <p:spTgt spid="25"/>
-                                        </p:tgtEl>
-                                        <p:attrNameLst>
-                                          <p:attrName>style.visibility</p:attrName>
-                                        </p:attrNameLst>
-                                      </p:cBhvr>
-                                      <p:to>
-                                        <p:strVal val="visible"/>
-                                      </p:to>
-                                    </p:set>
-                                  </p:childTnLst>
-                                </p:cTn>
-                              </p:par>
-                            </p:childTnLst>
-                          </p:cTn>
-                        </p:par>
-                      </p:childTnLst>
-                    </p:cTn>
-                  </p:par>
-                  <p:par>
-                    <p:cTn id="33" fill="hold">
-                      <p:stCondLst>
-                        <p:cond delay="indefinite"/>
-                      </p:stCondLst>
-                      <p:childTnLst>
-                        <p:par>
-                          <p:cTn id="34" fill="hold">
-                            <p:stCondLst>
-                              <p:cond delay="0"/>
-                            </p:stCondLst>
-                            <p:childTnLst>
-                              <p:par>
-                                <p:cTn id="35" presetID="1" presetClass="entr" presetSubtype="0" fill="hold" nodeType="clickEffect">
-                                  <p:stCondLst>
-                                    <p:cond delay="0"/>
-                                  </p:stCondLst>
-                                  <p:childTnLst>
-                                    <p:set>
-                                      <p:cBhvr>
-                                        <p:cTn id="36" dur="1" fill="hold">
-                                          <p:stCondLst>
-                                            <p:cond delay="0"/>
-                                          </p:stCondLst>
-                                        </p:cTn>
-                                        <p:tgtEl>
-                                          <p:spTgt spid="28"/>
-                                        </p:tgtEl>
-                                        <p:attrNameLst>
-                                          <p:attrName>style.visibility</p:attrName>
-                                        </p:attrNameLst>
-                                      </p:cBhvr>
-                                      <p:to>
-                                        <p:strVal val="visible"/>
-                                      </p:to>
-                                    </p:set>
-                                  </p:childTnLst>
-                                </p:cTn>
-                              </p:par>
-                              <p:par>
-                                <p:cTn id="37" presetID="1" presetClass="entr" presetSubtype="0" fill="hold" grpId="0" nodeType="withEffect">
-                                  <p:stCondLst>
-                                    <p:cond delay="0"/>
-                                  </p:stCondLst>
-                                  <p:childTnLst>
-                                    <p:set>
-                                      <p:cBhvr>
-                                        <p:cTn id="38" dur="1" fill="hold">
-                                          <p:stCondLst>
-                                            <p:cond delay="0"/>
-                                          </p:stCondLst>
-                                        </p:cTn>
-                                        <p:tgtEl>
-                                          <p:spTgt spid="27"/>
-                                        </p:tgtEl>
-                                        <p:attrNameLst>
-                                          <p:attrName>style.visibility</p:attrName>
-                                        </p:attrNameLst>
-                                      </p:cBhvr>
-                                      <p:to>
-                                        <p:strVal val="visible"/>
-                                      </p:to>
-                                    </p:set>
-                                  </p:childTnLst>
-                                </p:cTn>
-                              </p:par>
-                            </p:childTnLst>
-                          </p:cTn>
-                        </p:par>
-                      </p:childTnLst>
-                    </p:cTn>
-                  </p:par>
-                </p:childTnLst>
-              </p:cTn>
-              <p:prevCondLst>
-                <p:cond evt="onPrev" delay="0">
-                  <p:tgtEl>
-                    <p:sldTgt/>
-                  </p:tgtEl>
-                </p:cond>
-              </p:prevCondLst>
-              <p:nextCondLst>
-                <p:cond evt="onNext" delay="0">
-                  <p:tgtEl>
-                    <p:sldTgt/>
-                  </p:tgtEl>
-                </p:cond>
-              </p:nextCondLst>
-            </p:seq>
-          </p:childTnLst>
-        </p:cTn>
-      </p:par>
-    </p:tnLst>
-    <p:bldLst>
-      <p:bldP spid="18" grpId="0" animBg="1"/>
-      <p:bldP spid="19" grpId="0" animBg="1"/>
-      <p:bldP spid="21" grpId="0" animBg="1"/>
-      <p:bldP spid="22" grpId="0"/>
-      <p:bldP spid="25" grpId="0" animBg="1"/>
-      <p:bldP spid="14" grpId="0" animBg="1"/>
-      <p:bldP spid="27" grpId="0" animBg="1"/>
-    </p:bldLst>
-  </p:timing>
-</p:sld>
-</file>
-
-<file path=ppt/slides/slide12.xml><?xml version="1.0" encoding="utf-8"?>
-<p:sld xmlns:a="http://schemas.openxmlformats.org/drawingml/2006/main" xmlns:r="http://schemas.openxmlformats.org/officeDocument/2006/relationships" xmlns:p="http://schemas.openxmlformats.org/presentationml/2006/main">
-  <p:cSld>
-    <p:spTree>
-      <p:nvGrpSpPr>
-        <p:cNvPr id="1" name=""/>
-        <p:cNvGrpSpPr/>
-        <p:nvPr/>
-      </p:nvGrpSpPr>
-      <p:grpSpPr>
-        <a:xfrm>
-          <a:off x="0" y="0"/>
-          <a:ext cx="0" cy="0"/>
-          <a:chOff x="0" y="0"/>
-          <a:chExt cx="0" cy="0"/>
-        </a:xfrm>
-      </p:grpSpPr>
       <p:pic>
         <p:nvPicPr>
           <p:cNvPr id="2" name="Picture 1"/>
@@ -7015,7 +4889,7 @@
 </p:sld>
 </file>
 
-<file path=ppt/slides/slide13.xml><?xml version="1.0" encoding="utf-8"?>
+<file path=ppt/slides/slide11.xml><?xml version="1.0" encoding="utf-8"?>
 <p:sld xmlns:a="http://schemas.openxmlformats.org/drawingml/2006/main" xmlns:r="http://schemas.openxmlformats.org/officeDocument/2006/relationships" xmlns:p="http://schemas.openxmlformats.org/presentationml/2006/main">
   <p:cSld>
     <p:spTree>
@@ -12786,7 +10660,7 @@
         <p:spPr>
           <a:xfrm>
             <a:off x="177800" y="2087713"/>
-            <a:ext cx="11917026" cy="892552"/>
+            <a:ext cx="11861800" cy="3108543"/>
           </a:xfrm>
           <a:prstGeom prst="rect">
             <a:avLst/>
@@ -12799,34 +10673,239 @@
           </a:bodyPr>
           <a:lstStyle/>
           <a:p>
+            <a:r>
+              <a:rPr lang="en-US" sz="3600" dirty="0" smtClean="0">
+                <a:solidFill>
+                  <a:schemeClr val="bg1"/>
+                </a:solidFill>
+                <a:latin typeface="Bangla Sangam MN" charset="0"/>
+                <a:ea typeface="Bangla Sangam MN" charset="0"/>
+                <a:cs typeface="Bangla Sangam MN" charset="0"/>
+              </a:rPr>
+              <a:t>Is it possible to model the Epoch of Reionization using a more physically motivated escape fraction parameterization?</a:t>
+            </a:r>
+          </a:p>
+          <a:p>
+            <a:endParaRPr lang="en-US" sz="3600" dirty="0" smtClean="0">
+              <a:solidFill>
+                <a:schemeClr val="bg1"/>
+              </a:solidFill>
+              <a:latin typeface="Bangla Sangam MN" charset="0"/>
+              <a:ea typeface="Bangla Sangam MN" charset="0"/>
+              <a:cs typeface="Bangla Sangam MN" charset="0"/>
+            </a:endParaRPr>
+          </a:p>
+          <a:p>
             <a:pPr marL="285750" indent="-285750">
               <a:buFont typeface="Arial" charset="0"/>
               <a:buChar char="•"/>
             </a:pPr>
-            <a:r>
-              <a:rPr lang="en-US" sz="2600" dirty="0" err="1" smtClean="0">
-                <a:solidFill>
-                  <a:schemeClr val="bg1"/>
+            <a:endParaRPr lang="en-US" sz="2600" dirty="0">
+              <a:solidFill>
+                <a:schemeClr val="bg1"/>
+              </a:solidFill>
+              <a:latin typeface="Bangla Sangam MN" charset="0"/>
+              <a:ea typeface="Bangla Sangam MN" charset="0"/>
+              <a:cs typeface="Bangla Sangam MN" charset="0"/>
+            </a:endParaRPr>
+          </a:p>
+          <a:p>
+            <a:pPr marL="285750" indent="-285750">
+              <a:buFont typeface="Arial" charset="0"/>
+              <a:buChar char="•"/>
+            </a:pPr>
+            <a:endParaRPr lang="en-US" sz="2600" dirty="0" smtClean="0">
+              <a:solidFill>
+                <a:schemeClr val="bg1"/>
+              </a:solidFill>
+              <a:latin typeface="Bangla Sangam MN" charset="0"/>
+              <a:ea typeface="Bangla Sangam MN" charset="0"/>
+              <a:cs typeface="Bangla Sangam MN" charset="0"/>
+            </a:endParaRPr>
+          </a:p>
+        </p:txBody>
+      </p:sp>
+      <p:sp>
+        <p:nvSpPr>
+          <p:cNvPr id="7" name="Title 1"/>
+          <p:cNvSpPr>
+            <a:spLocks noGrp="1"/>
+          </p:cNvSpPr>
+          <p:nvPr>
+            <p:ph type="ctrTitle"/>
+          </p:nvPr>
+        </p:nvSpPr>
+        <p:spPr>
+          <a:xfrm>
+            <a:off x="1408253" y="266217"/>
+            <a:ext cx="9946511" cy="1350831"/>
+          </a:xfrm>
+        </p:spPr>
+        <p:txBody>
+          <a:bodyPr>
+            <a:normAutofit/>
+          </a:bodyPr>
+          <a:lstStyle/>
+          <a:p>
+            <a:r>
+              <a:rPr lang="en-US" b="1" dirty="0" smtClean="0">
+                <a:ln>
+                  <a:solidFill>
+                    <a:schemeClr val="tx1">
+                      <a:alpha val="70000"/>
+                    </a:schemeClr>
+                  </a:solidFill>
+                </a:ln>
+                <a:solidFill>
+                  <a:srgbClr val="C49B00"/>
                 </a:solidFill>
                 <a:latin typeface="Bangla Sangam MN" charset="0"/>
                 <a:ea typeface="Bangla Sangam MN" charset="0"/>
                 <a:cs typeface="Bangla Sangam MN" charset="0"/>
               </a:rPr>
-              <a:t>f</a:t>
-            </a:r>
-            <a:r>
-              <a:rPr lang="en-US" sz="2600" baseline="-25000" dirty="0" err="1" smtClean="0">
-                <a:solidFill>
-                  <a:schemeClr val="bg1"/>
+              <a:t>Our Aim</a:t>
+            </a:r>
+            <a:endParaRPr lang="en-US" b="1" dirty="0">
+              <a:ln>
+                <a:solidFill>
+                  <a:schemeClr val="tx1">
+                    <a:alpha val="70000"/>
+                  </a:schemeClr>
+                </a:solidFill>
+              </a:ln>
+              <a:solidFill>
+                <a:srgbClr val="C49B00"/>
+              </a:solidFill>
+              <a:latin typeface="Bangla Sangam MN" charset="0"/>
+              <a:ea typeface="Bangla Sangam MN" charset="0"/>
+              <a:cs typeface="Bangla Sangam MN" charset="0"/>
+            </a:endParaRPr>
+          </a:p>
+        </p:txBody>
+      </p:sp>
+    </p:spTree>
+    <p:extLst>
+      <p:ext uri="{BB962C8B-B14F-4D97-AF65-F5344CB8AC3E}">
+        <p14:creationId xmlns:p14="http://schemas.microsoft.com/office/powerpoint/2010/main" val="886323545"/>
+      </p:ext>
+    </p:extLst>
+  </p:cSld>
+  <p:clrMapOvr>
+    <a:masterClrMapping/>
+  </p:clrMapOvr>
+  <p:timing>
+    <p:tnLst>
+      <p:par>
+        <p:cTn id="1" dur="indefinite" restart="never" nodeType="tmRoot"/>
+      </p:par>
+    </p:tnLst>
+  </p:timing>
+</p:sld>
+</file>
+
+<file path=ppt/slides/slide8.xml><?xml version="1.0" encoding="utf-8"?>
+<p:sld xmlns:a="http://schemas.openxmlformats.org/drawingml/2006/main" xmlns:r="http://schemas.openxmlformats.org/officeDocument/2006/relationships" xmlns:p="http://schemas.openxmlformats.org/presentationml/2006/main">
+  <p:cSld>
+    <p:spTree>
+      <p:nvGrpSpPr>
+        <p:cNvPr id="1" name=""/>
+        <p:cNvGrpSpPr/>
+        <p:nvPr/>
+      </p:nvGrpSpPr>
+      <p:grpSpPr>
+        <a:xfrm>
+          <a:off x="0" y="0"/>
+          <a:ext cx="0" cy="0"/>
+          <a:chOff x="0" y="0"/>
+          <a:chExt cx="0" cy="0"/>
+        </a:xfrm>
+      </p:grpSpPr>
+      <p:sp>
+        <p:nvSpPr>
+          <p:cNvPr id="7" name="Title 1"/>
+          <p:cNvSpPr>
+            <a:spLocks noGrp="1"/>
+          </p:cNvSpPr>
+          <p:nvPr>
+            <p:ph type="ctrTitle"/>
+          </p:nvPr>
+        </p:nvSpPr>
+        <p:spPr>
+          <a:xfrm>
+            <a:off x="1408253" y="266217"/>
+            <a:ext cx="9946511" cy="1350831"/>
+          </a:xfrm>
+        </p:spPr>
+        <p:txBody>
+          <a:bodyPr>
+            <a:normAutofit fontScale="90000"/>
+          </a:bodyPr>
+          <a:lstStyle/>
+          <a:p>
+            <a:r>
+              <a:rPr lang="en-US" b="1" dirty="0" smtClean="0">
+                <a:ln>
+                  <a:solidFill>
+                    <a:schemeClr val="tx1">
+                      <a:alpha val="70000"/>
+                    </a:schemeClr>
+                  </a:solidFill>
+                </a:ln>
+                <a:solidFill>
+                  <a:srgbClr val="C49B00"/>
                 </a:solidFill>
                 <a:latin typeface="Bangla Sangam MN" charset="0"/>
                 <a:ea typeface="Bangla Sangam MN" charset="0"/>
                 <a:cs typeface="Bangla Sangam MN" charset="0"/>
               </a:rPr>
-              <a:t>esc</a:t>
-            </a:r>
-            <a:r>
-              <a:rPr lang="en-US" sz="2600" baseline="-25000" dirty="0" smtClean="0">
+              <a:t>Galaxy Properties + Photons</a:t>
+            </a:r>
+            <a:endParaRPr lang="en-US" b="1" dirty="0">
+              <a:ln>
+                <a:solidFill>
+                  <a:schemeClr val="tx1">
+                    <a:alpha val="70000"/>
+                  </a:schemeClr>
+                </a:solidFill>
+              </a:ln>
+              <a:solidFill>
+                <a:srgbClr val="C49B00"/>
+              </a:solidFill>
+              <a:latin typeface="Bangla Sangam MN" charset="0"/>
+              <a:ea typeface="Bangla Sangam MN" charset="0"/>
+              <a:cs typeface="Bangla Sangam MN" charset="0"/>
+            </a:endParaRPr>
+          </a:p>
+        </p:txBody>
+      </p:sp>
+      <p:sp>
+        <p:nvSpPr>
+          <p:cNvPr id="4" name="TextBox 3"/>
+          <p:cNvSpPr txBox="1"/>
+          <p:nvPr/>
+        </p:nvSpPr>
+        <p:spPr>
+          <a:xfrm>
+            <a:off x="193039" y="1617048"/>
+            <a:ext cx="6271553" cy="5262979"/>
+          </a:xfrm>
+          <a:prstGeom prst="rect">
+            <a:avLst/>
+          </a:prstGeom>
+          <a:noFill/>
+        </p:spPr>
+        <p:txBody>
+          <a:bodyPr wrap="square" rtlCol="0">
+            <a:spAutoFit/>
+          </a:bodyPr>
+          <a:lstStyle/>
+          <a:p>
+            <a:pPr marL="285750" indent="-285750">
+              <a:buFont typeface="Arial" charset="0"/>
+              <a:buChar char="•"/>
+            </a:pPr>
+            <a:r>
+              <a:rPr lang="en-US" sz="2400" dirty="0" smtClean="0">
                 <a:solidFill>
                   <a:schemeClr val="bg1"/>
                 </a:solidFill>
@@ -12834,10 +10913,30 @@
                 <a:ea typeface="Bangla Sangam MN" charset="0"/>
                 <a:cs typeface="Bangla Sangam MN" charset="0"/>
               </a:rPr>
-              <a:t> </a:t>
-            </a:r>
-            <a:r>
-              <a:rPr lang="en-US" sz="2600" dirty="0" smtClean="0">
+              <a:t>Use Semi-Analytic Galaxy Evolution model to generate galaxy properties.</a:t>
+            </a:r>
+          </a:p>
+          <a:p>
+            <a:pPr marL="285750" indent="-285750">
+              <a:buFont typeface="Arial" charset="0"/>
+              <a:buChar char="•"/>
+            </a:pPr>
+            <a:endParaRPr lang="en-US" sz="2400" dirty="0">
+              <a:solidFill>
+                <a:schemeClr val="bg1"/>
+              </a:solidFill>
+              <a:latin typeface="Bangla Sangam MN" charset="0"/>
+              <a:ea typeface="Bangla Sangam MN" charset="0"/>
+              <a:cs typeface="Bangla Sangam MN" charset="0"/>
+            </a:endParaRPr>
+          </a:p>
+          <a:p>
+            <a:pPr marL="285750" indent="-285750">
+              <a:buFont typeface="Arial" charset="0"/>
+              <a:buChar char="•"/>
+            </a:pPr>
+            <a:r>
+              <a:rPr lang="en-US" sz="2400" dirty="0" smtClean="0">
                 <a:solidFill>
                   <a:schemeClr val="bg1"/>
                 </a:solidFill>
@@ -12845,16 +10944,455 @@
                 <a:ea typeface="Bangla Sangam MN" charset="0"/>
                 <a:cs typeface="Bangla Sangam MN" charset="0"/>
               </a:rPr>
-              <a:t>is a complex combination of many parameters. Choosing a constant fraction is a result of this complexity.</a:t>
-            </a:r>
+              <a:t>Model reionization in a post-processing step.</a:t>
+            </a:r>
+          </a:p>
+          <a:p>
+            <a:pPr marL="285750" indent="-285750">
+              <a:buFont typeface="Arial" charset="0"/>
+              <a:buChar char="•"/>
+            </a:pPr>
+            <a:endParaRPr lang="en-US" sz="2400" dirty="0" smtClean="0">
+              <a:solidFill>
+                <a:schemeClr val="bg1"/>
+              </a:solidFill>
+              <a:latin typeface="Bangla Sangam MN" charset="0"/>
+              <a:ea typeface="Bangla Sangam MN" charset="0"/>
+              <a:cs typeface="Bangla Sangam MN" charset="0"/>
+            </a:endParaRPr>
+          </a:p>
+          <a:p>
+            <a:pPr marL="285750" indent="-285750">
+              <a:buFont typeface="Arial" charset="0"/>
+              <a:buChar char="•"/>
+            </a:pPr>
+            <a:endParaRPr lang="en-US" sz="2400" dirty="0">
+              <a:solidFill>
+                <a:schemeClr val="bg1"/>
+              </a:solidFill>
+              <a:latin typeface="Bangla Sangam MN" charset="0"/>
+              <a:ea typeface="Bangla Sangam MN" charset="0"/>
+              <a:cs typeface="Bangla Sangam MN" charset="0"/>
+            </a:endParaRPr>
+          </a:p>
+          <a:p>
+            <a:pPr marL="285750" indent="-285750">
+              <a:buFont typeface="Arial" charset="0"/>
+              <a:buChar char="•"/>
+            </a:pPr>
+            <a:r>
+              <a:rPr lang="en-US" sz="2400" dirty="0" smtClean="0">
+                <a:solidFill>
+                  <a:schemeClr val="bg1"/>
+                </a:solidFill>
+                <a:latin typeface="Bangla Sangam MN" charset="0"/>
+                <a:ea typeface="Bangla Sangam MN" charset="0"/>
+                <a:cs typeface="Bangla Sangam MN" charset="0"/>
+              </a:rPr>
+              <a:t>Use SFR </a:t>
+            </a:r>
+            <a:r>
+              <a:rPr lang="en-US" sz="2400" dirty="0">
+                <a:solidFill>
+                  <a:schemeClr val="bg1"/>
+                </a:solidFill>
+                <a:latin typeface="Bangla Sangam MN" charset="0"/>
+                <a:ea typeface="Bangla Sangam MN" charset="0"/>
+                <a:cs typeface="Bangla Sangam MN" charset="0"/>
+              </a:rPr>
+              <a:t>to calculate number of ionizing </a:t>
+            </a:r>
+            <a:r>
+              <a:rPr lang="en-US" sz="2400" dirty="0" smtClean="0">
+                <a:solidFill>
+                  <a:schemeClr val="bg1"/>
+                </a:solidFill>
+                <a:latin typeface="Bangla Sangam MN" charset="0"/>
+                <a:ea typeface="Bangla Sangam MN" charset="0"/>
+                <a:cs typeface="Bangla Sangam MN" charset="0"/>
+              </a:rPr>
+              <a:t>photons.</a:t>
+            </a:r>
+          </a:p>
+          <a:p>
+            <a:pPr marL="285750" indent="-285750">
+              <a:buFont typeface="Arial" charset="0"/>
+              <a:buChar char="•"/>
+            </a:pPr>
+            <a:endParaRPr lang="en-US" sz="2400" dirty="0" smtClean="0">
+              <a:solidFill>
+                <a:schemeClr val="bg1"/>
+              </a:solidFill>
+              <a:latin typeface="Bangla Sangam MN" charset="0"/>
+              <a:ea typeface="Bangla Sangam MN" charset="0"/>
+              <a:cs typeface="Bangla Sangam MN" charset="0"/>
+            </a:endParaRPr>
+          </a:p>
+          <a:p>
+            <a:pPr marL="285750" indent="-285750">
+              <a:buFont typeface="Arial" charset="0"/>
+              <a:buChar char="•"/>
+            </a:pPr>
+            <a:endParaRPr lang="en-US" sz="2400" dirty="0">
+              <a:solidFill>
+                <a:schemeClr val="bg1"/>
+              </a:solidFill>
+              <a:latin typeface="Bangla Sangam MN" charset="0"/>
+              <a:ea typeface="Bangla Sangam MN" charset="0"/>
+              <a:cs typeface="Bangla Sangam MN" charset="0"/>
+            </a:endParaRPr>
+          </a:p>
+          <a:p>
+            <a:pPr marL="285750" indent="-285750">
+              <a:buFont typeface="Arial" charset="0"/>
+              <a:buChar char="•"/>
+            </a:pPr>
+            <a:r>
+              <a:rPr lang="en-US" sz="2400" dirty="0" smtClean="0">
+                <a:solidFill>
+                  <a:schemeClr val="bg1"/>
+                </a:solidFill>
+                <a:latin typeface="Bangla Sangam MN" charset="0"/>
+                <a:ea typeface="Bangla Sangam MN" charset="0"/>
+                <a:cs typeface="Bangla Sangam MN" charset="0"/>
+              </a:rPr>
+              <a:t>Draw spheres and count the number of ionizing photons + neutral H + recombinations.</a:t>
+            </a:r>
+          </a:p>
+        </p:txBody>
+      </p:sp>
+      <p:pic>
+        <p:nvPicPr>
+          <p:cNvPr id="11" name="out.mp4">
+            <a:hlinkClick r:id="" action="ppaction://media"/>
+          </p:cNvPr>
+          <p:cNvPicPr>
+            <a:picLocks noChangeAspect="1"/>
+          </p:cNvPicPr>
+          <p:nvPr>
+            <a:videoFile r:link="rId2"/>
+            <p:extLst>
+              <p:ext uri="{DAA4B4D4-6D71-4841-9C94-3DE7FCFB9230}">
+                <p14:media xmlns:p14="http://schemas.microsoft.com/office/powerpoint/2010/main" r:embed="rId1"/>
+              </p:ext>
+            </p:extLst>
+          </p:nvPr>
+        </p:nvPicPr>
+        <p:blipFill>
+          <a:blip r:embed="rId5"/>
+          <a:stretch>
+            <a:fillRect/>
+          </a:stretch>
+        </p:blipFill>
+        <p:spPr>
+          <a:xfrm>
+            <a:off x="6464593" y="1986246"/>
+            <a:ext cx="5322780" cy="3992085"/>
+          </a:xfrm>
+          <a:prstGeom prst="rect">
+            <a:avLst/>
+          </a:prstGeom>
+        </p:spPr>
+      </p:pic>
+    </p:spTree>
+    <p:extLst>
+      <p:ext uri="{BB962C8B-B14F-4D97-AF65-F5344CB8AC3E}">
+        <p14:creationId xmlns:p14="http://schemas.microsoft.com/office/powerpoint/2010/main" val="1822528717"/>
+      </p:ext>
+    </p:extLst>
+  </p:cSld>
+  <p:clrMapOvr>
+    <a:masterClrMapping/>
+  </p:clrMapOvr>
+  <p:timing>
+    <p:tnLst>
+      <p:par>
+        <p:cTn id="1" dur="indefinite" restart="never" nodeType="tmRoot">
+          <p:childTnLst>
+            <p:seq concurrent="1" nextAc="seek">
+              <p:cTn id="2" dur="indefinite" nodeType="mainSeq">
+                <p:childTnLst>
+                  <p:par>
+                    <p:cTn id="3" fill="hold">
+                      <p:stCondLst>
+                        <p:cond delay="indefinite"/>
+                        <p:cond evt="onBegin" delay="0">
+                          <p:tn val="2"/>
+                        </p:cond>
+                      </p:stCondLst>
+                      <p:childTnLst>
+                        <p:par>
+                          <p:cTn id="4" fill="hold">
+                            <p:stCondLst>
+                              <p:cond delay="0"/>
+                            </p:stCondLst>
+                            <p:childTnLst>
+                              <p:par>
+                                <p:cTn id="5" presetID="1" presetClass="mediacall" presetSubtype="0" fill="hold" nodeType="afterEffect">
+                                  <p:stCondLst>
+                                    <p:cond delay="0"/>
+                                  </p:stCondLst>
+                                  <p:childTnLst>
+                                    <p:cmd type="call" cmd="playFrom(0.0)">
+                                      <p:cBhvr>
+                                        <p:cTn id="6" dur="13500" fill="hold"/>
+                                        <p:tgtEl>
+                                          <p:spTgt spid="11"/>
+                                        </p:tgtEl>
+                                      </p:cBhvr>
+                                    </p:cmd>
+                                  </p:childTnLst>
+                                </p:cTn>
+                              </p:par>
+                            </p:childTnLst>
+                          </p:cTn>
+                        </p:par>
+                      </p:childTnLst>
+                    </p:cTn>
+                  </p:par>
+                </p:childTnLst>
+              </p:cTn>
+              <p:prevCondLst>
+                <p:cond evt="onPrev" delay="0">
+                  <p:tgtEl>
+                    <p:sldTgt/>
+                  </p:tgtEl>
+                </p:cond>
+              </p:prevCondLst>
+              <p:nextCondLst>
+                <p:cond evt="onNext" delay="0">
+                  <p:tgtEl>
+                    <p:sldTgt/>
+                  </p:tgtEl>
+                </p:cond>
+              </p:nextCondLst>
+            </p:seq>
+            <p:video>
+              <p:cMediaNode vol="80000">
+                <p:cTn id="7" repeatCount="indefinite" fill="hold" display="0">
+                  <p:stCondLst>
+                    <p:cond delay="indefinite"/>
+                  </p:stCondLst>
+                </p:cTn>
+                <p:tgtEl>
+                  <p:spTgt spid="11"/>
+                </p:tgtEl>
+              </p:cMediaNode>
+            </p:video>
+            <p:seq concurrent="1" nextAc="seek">
+              <p:cTn id="8" restart="whenNotActive" fill="hold" evtFilter="cancelBubble" nodeType="interactiveSeq">
+                <p:stCondLst>
+                  <p:cond evt="onClick" delay="0">
+                    <p:tgtEl>
+                      <p:spTgt spid="11"/>
+                    </p:tgtEl>
+                  </p:cond>
+                </p:stCondLst>
+                <p:endSync evt="end" delay="0">
+                  <p:rtn val="all"/>
+                </p:endSync>
+                <p:childTnLst>
+                  <p:par>
+                    <p:cTn id="9" fill="hold">
+                      <p:stCondLst>
+                        <p:cond delay="0"/>
+                      </p:stCondLst>
+                      <p:childTnLst>
+                        <p:par>
+                          <p:cTn id="10" fill="hold">
+                            <p:stCondLst>
+                              <p:cond delay="0"/>
+                            </p:stCondLst>
+                            <p:childTnLst>
+                              <p:par>
+                                <p:cTn id="11" presetID="2" presetClass="mediacall" presetSubtype="0" fill="hold" nodeType="clickEffect">
+                                  <p:stCondLst>
+                                    <p:cond delay="0"/>
+                                  </p:stCondLst>
+                                  <p:childTnLst>
+                                    <p:cmd type="call" cmd="togglePause">
+                                      <p:cBhvr>
+                                        <p:cTn id="12" dur="1" fill="hold"/>
+                                        <p:tgtEl>
+                                          <p:spTgt spid="11"/>
+                                        </p:tgtEl>
+                                      </p:cBhvr>
+                                    </p:cmd>
+                                  </p:childTnLst>
+                                </p:cTn>
+                              </p:par>
+                            </p:childTnLst>
+                          </p:cTn>
+                        </p:par>
+                      </p:childTnLst>
+                    </p:cTn>
+                  </p:par>
+                </p:childTnLst>
+              </p:cTn>
+              <p:nextCondLst>
+                <p:cond evt="onClick" delay="0">
+                  <p:tgtEl>
+                    <p:spTgt spid="11"/>
+                  </p:tgtEl>
+                </p:cond>
+              </p:nextCondLst>
+            </p:seq>
+          </p:childTnLst>
+        </p:cTn>
+      </p:par>
+    </p:tnLst>
+  </p:timing>
+</p:sld>
+</file>
+
+<file path=ppt/slides/slide9.xml><?xml version="1.0" encoding="utf-8"?>
+<p:sld xmlns:a="http://schemas.openxmlformats.org/drawingml/2006/main" xmlns:r="http://schemas.openxmlformats.org/officeDocument/2006/relationships" xmlns:p="http://schemas.openxmlformats.org/presentationml/2006/main">
+  <p:cSld>
+    <p:spTree>
+      <p:nvGrpSpPr>
+        <p:cNvPr id="1" name=""/>
+        <p:cNvGrpSpPr/>
+        <p:nvPr/>
+      </p:nvGrpSpPr>
+      <p:grpSpPr>
+        <a:xfrm>
+          <a:off x="0" y="0"/>
+          <a:ext cx="0" cy="0"/>
+          <a:chOff x="0" y="0"/>
+          <a:chExt cx="0" cy="0"/>
+        </a:xfrm>
+      </p:grpSpPr>
+      <p:sp>
+        <p:nvSpPr>
+          <p:cNvPr id="7" name="Title 1"/>
+          <p:cNvSpPr>
+            <a:spLocks noGrp="1"/>
+          </p:cNvSpPr>
+          <p:nvPr>
+            <p:ph type="ctrTitle"/>
+          </p:nvPr>
+        </p:nvSpPr>
+        <p:spPr>
+          <a:xfrm>
+            <a:off x="0" y="0"/>
+            <a:ext cx="12057088" cy="1350831"/>
+          </a:xfrm>
+        </p:spPr>
+        <p:txBody>
+          <a:bodyPr>
+            <a:normAutofit fontScale="90000"/>
+          </a:bodyPr>
+          <a:lstStyle/>
+          <a:p>
+            <a:r>
+              <a:rPr lang="en-US" b="1" dirty="0" smtClean="0">
+                <a:ln>
+                  <a:solidFill>
+                    <a:schemeClr val="tx1">
+                      <a:alpha val="70000"/>
+                    </a:schemeClr>
+                  </a:solidFill>
+                </a:ln>
+                <a:solidFill>
+                  <a:srgbClr val="C49B00"/>
+                </a:solidFill>
+                <a:latin typeface="Bangla Sangam MN" charset="0"/>
+                <a:ea typeface="Bangla Sangam MN" charset="0"/>
+                <a:cs typeface="Bangla Sangam MN" charset="0"/>
+              </a:rPr>
+              <a:t>Escape </a:t>
+            </a:r>
+            <a:r>
+              <a:rPr lang="en-US" b="1" smtClean="0">
+                <a:ln>
+                  <a:solidFill>
+                    <a:schemeClr val="tx1">
+                      <a:alpha val="70000"/>
+                    </a:schemeClr>
+                  </a:solidFill>
+                </a:ln>
+                <a:solidFill>
+                  <a:srgbClr val="C49B00"/>
+                </a:solidFill>
+                <a:latin typeface="Bangla Sangam MN" charset="0"/>
+                <a:ea typeface="Bangla Sangam MN" charset="0"/>
+                <a:cs typeface="Bangla Sangam MN" charset="0"/>
+              </a:rPr>
+              <a:t>Fraction Parameterization</a:t>
+            </a:r>
+            <a:endParaRPr lang="en-US" b="1" dirty="0">
+              <a:ln>
+                <a:solidFill>
+                  <a:schemeClr val="tx1">
+                    <a:alpha val="70000"/>
+                  </a:schemeClr>
+                </a:solidFill>
+              </a:ln>
+              <a:solidFill>
+                <a:srgbClr val="C49B00"/>
+              </a:solidFill>
+              <a:latin typeface="Bangla Sangam MN" charset="0"/>
+              <a:ea typeface="Bangla Sangam MN" charset="0"/>
+              <a:cs typeface="Bangla Sangam MN" charset="0"/>
+            </a:endParaRPr>
+          </a:p>
+        </p:txBody>
+      </p:sp>
+      <p:sp>
+        <p:nvSpPr>
+          <p:cNvPr id="5" name="Rectangle 4"/>
+          <p:cNvSpPr/>
+          <p:nvPr/>
+        </p:nvSpPr>
+        <p:spPr>
+          <a:xfrm>
+            <a:off x="3536117" y="1883119"/>
+            <a:ext cx="5023266" cy="866752"/>
+          </a:xfrm>
+          <a:prstGeom prst="rect">
+            <a:avLst/>
+          </a:prstGeom>
+          <a:solidFill>
+            <a:schemeClr val="bg1"/>
+          </a:solidFill>
+          <a:effectLst>
+            <a:glow rad="127000">
+              <a:srgbClr val="D71E02">
+                <a:alpha val="68000"/>
+              </a:srgbClr>
+            </a:glow>
+          </a:effectLst>
+        </p:spPr>
+        <p:style>
+          <a:lnRef idx="2">
+            <a:schemeClr val="accent1">
+              <a:shade val="50000"/>
+            </a:schemeClr>
+          </a:lnRef>
+          <a:fillRef idx="1">
+            <a:schemeClr val="accent1"/>
+          </a:fillRef>
+          <a:effectRef idx="0">
+            <a:schemeClr val="accent1"/>
+          </a:effectRef>
+          <a:fontRef idx="minor">
+            <a:schemeClr val="lt1"/>
+          </a:fontRef>
+        </p:style>
+        <p:txBody>
+          <a:bodyPr rtlCol="0" anchor="ctr"/>
+          <a:lstStyle/>
+          <a:p>
+            <a:pPr algn="ctr"/>
+            <a:endParaRPr lang="en-US"/>
           </a:p>
         </p:txBody>
       </p:sp>
       <p:pic>
         <p:nvPicPr>
           <p:cNvPr id="2" name="Picture 1"/>
-          <p:cNvPicPr>
-            <a:picLocks noChangeAspect="1"/>
+          <p:cNvPicPr preferRelativeResize="0">
+            <a:picLocks/>
           </p:cNvPicPr>
           <p:nvPr/>
         </p:nvPicPr>
@@ -12872,8 +11410,8 @@
         </p:blipFill>
         <p:spPr>
           <a:xfrm>
-            <a:off x="45349" y="3315978"/>
-            <a:ext cx="6748817" cy="2807281"/>
+            <a:off x="3844352" y="2027212"/>
+            <a:ext cx="4361939" cy="588823"/>
           </a:xfrm>
           <a:prstGeom prst="rect">
             <a:avLst/>
@@ -12882,67 +11420,101 @@
       </p:pic>
       <p:sp>
         <p:nvSpPr>
-          <p:cNvPr id="12" name="TextBox 11"/>
-          <p:cNvSpPr txBox="1"/>
+          <p:cNvPr id="10" name="Rectangle 9"/>
+          <p:cNvSpPr/>
           <p:nvPr/>
         </p:nvSpPr>
         <p:spPr>
           <a:xfrm>
-            <a:off x="5083704" y="6488668"/>
-            <a:ext cx="2841095" cy="369332"/>
+            <a:off x="3513687" y="3292044"/>
+            <a:ext cx="5045696" cy="1145041"/>
           </a:xfrm>
           <a:prstGeom prst="rect">
             <a:avLst/>
           </a:prstGeom>
-          <a:noFill/>
+          <a:solidFill>
+            <a:schemeClr val="bg1"/>
+          </a:solidFill>
+          <a:effectLst>
+            <a:glow rad="127000">
+              <a:srgbClr val="D71E02">
+                <a:alpha val="68000"/>
+              </a:srgbClr>
+            </a:glow>
+          </a:effectLst>
         </p:spPr>
-        <p:txBody>
-          <a:bodyPr wrap="square" rtlCol="0">
-            <a:spAutoFit/>
-          </a:bodyPr>
+        <p:style>
+          <a:lnRef idx="2">
+            <a:schemeClr val="accent1">
+              <a:shade val="50000"/>
+            </a:schemeClr>
+          </a:lnRef>
+          <a:fillRef idx="1">
+            <a:schemeClr val="accent1"/>
+          </a:fillRef>
+          <a:effectRef idx="0">
+            <a:schemeClr val="accent1"/>
+          </a:effectRef>
+          <a:fontRef idx="minor">
+            <a:schemeClr val="lt1"/>
+          </a:fontRef>
+        </p:style>
+        <p:txBody>
+          <a:bodyPr rtlCol="0" anchor="ctr"/>
           <a:lstStyle/>
           <a:p>
-            <a:r>
-              <a:rPr lang="en-US" dirty="0" smtClean="0">
-                <a:solidFill>
-                  <a:schemeClr val="bg1"/>
-                </a:solidFill>
-                <a:latin typeface="Bangla Sangam MN" charset="0"/>
-                <a:ea typeface="Bangla Sangam MN" charset="0"/>
-                <a:cs typeface="Bangla Sangam MN" charset="0"/>
-              </a:rPr>
-              <a:t>(</a:t>
-            </a:r>
-            <a:r>
-              <a:rPr lang="en-US" dirty="0" err="1" smtClean="0">
-                <a:solidFill>
-                  <a:schemeClr val="bg1"/>
-                </a:solidFill>
-                <a:latin typeface="Bangla Sangam MN" charset="0"/>
-                <a:ea typeface="Bangla Sangam MN" charset="0"/>
-                <a:cs typeface="Bangla Sangam MN" charset="0"/>
-              </a:rPr>
-              <a:t>Paardekooper</a:t>
-            </a:r>
-            <a:r>
-              <a:rPr lang="en-US" dirty="0" smtClean="0">
-                <a:solidFill>
-                  <a:schemeClr val="bg1"/>
-                </a:solidFill>
-                <a:latin typeface="Bangla Sangam MN" charset="0"/>
-                <a:ea typeface="Bangla Sangam MN" charset="0"/>
-                <a:cs typeface="Bangla Sangam MN" charset="0"/>
-              </a:rPr>
-              <a:t> 2015)</a:t>
-            </a:r>
-            <a:endParaRPr lang="en-US" dirty="0">
-              <a:solidFill>
-                <a:schemeClr val="bg1"/>
-              </a:solidFill>
-              <a:latin typeface="Bangla Sangam MN" charset="0"/>
-              <a:ea typeface="Bangla Sangam MN" charset="0"/>
-              <a:cs typeface="Bangla Sangam MN" charset="0"/>
-            </a:endParaRPr>
+            <a:pPr algn="ctr"/>
+            <a:endParaRPr lang="en-US"/>
+          </a:p>
+        </p:txBody>
+      </p:sp>
+      <p:sp>
+        <p:nvSpPr>
+          <p:cNvPr id="12" name="Rectangle 11"/>
+          <p:cNvSpPr/>
+          <p:nvPr/>
+        </p:nvSpPr>
+        <p:spPr>
+          <a:xfrm>
+            <a:off x="3536117" y="4931311"/>
+            <a:ext cx="5023266" cy="962870"/>
+          </a:xfrm>
+          <a:prstGeom prst="rect">
+            <a:avLst/>
+          </a:prstGeom>
+          <a:solidFill>
+            <a:schemeClr val="bg1"/>
+          </a:solidFill>
+          <a:effectLst>
+            <a:glow rad="127000">
+              <a:srgbClr val="D71E02">
+                <a:alpha val="68000"/>
+              </a:srgbClr>
+            </a:glow>
+          </a:effectLst>
+        </p:spPr>
+        <p:style>
+          <a:lnRef idx="2">
+            <a:schemeClr val="accent1">
+              <a:shade val="50000"/>
+            </a:schemeClr>
+          </a:lnRef>
+          <a:fillRef idx="1">
+            <a:schemeClr val="accent1"/>
+          </a:fillRef>
+          <a:effectRef idx="0">
+            <a:schemeClr val="accent1"/>
+          </a:effectRef>
+          <a:fontRef idx="minor">
+            <a:schemeClr val="lt1"/>
+          </a:fontRef>
+        </p:style>
+        <p:txBody>
+          <a:bodyPr rtlCol="0" anchor="ctr"/>
+          <a:lstStyle/>
+          <a:p>
+            <a:pPr algn="ctr"/>
+            <a:endParaRPr lang="en-US"/>
           </a:p>
         </p:txBody>
       </p:sp>
@@ -12968,8 +11540,8 @@
         </p:blipFill>
         <p:spPr>
           <a:xfrm>
-            <a:off x="7031339" y="3315978"/>
-            <a:ext cx="2336273" cy="1267405"/>
+            <a:off x="3663405" y="5053879"/>
+            <a:ext cx="4851191" cy="717734"/>
           </a:xfrm>
           <a:prstGeom prst="rect">
             <a:avLst/>
@@ -12978,7 +11550,7 @@
       </p:pic>
       <p:pic>
         <p:nvPicPr>
-          <p:cNvPr id="9" name="Picture 8"/>
+          <p:cNvPr id="13" name="Picture 12"/>
           <p:cNvPicPr>
             <a:picLocks noChangeAspect="1"/>
           </p:cNvPicPr>
@@ -12998,17 +11570,67 @@
         </p:blipFill>
         <p:spPr>
           <a:xfrm>
-            <a:off x="7581899" y="4844633"/>
-            <a:ext cx="3884784" cy="827628"/>
+            <a:off x="4124472" y="3366995"/>
+            <a:ext cx="3801697" cy="1004938"/>
           </a:xfrm>
           <a:prstGeom prst="rect">
             <a:avLst/>
           </a:prstGeom>
         </p:spPr>
       </p:pic>
+      <p:sp>
+        <p:nvSpPr>
+          <p:cNvPr id="18" name="Rectangle 17"/>
+          <p:cNvSpPr/>
+          <p:nvPr/>
+        </p:nvSpPr>
+        <p:spPr>
+          <a:xfrm rot="3687292">
+            <a:off x="7861075" y="3528143"/>
+            <a:ext cx="4911915" cy="866752"/>
+          </a:xfrm>
+          <a:prstGeom prst="rect">
+            <a:avLst/>
+          </a:prstGeom>
+          <a:solidFill>
+            <a:schemeClr val="bg1"/>
+          </a:solidFill>
+          <a:effectLst>
+            <a:glow rad="127000">
+              <a:srgbClr val="D71E02">
+                <a:alpha val="68000"/>
+              </a:srgbClr>
+            </a:glow>
+          </a:effectLst>
+        </p:spPr>
+        <p:style>
+          <a:lnRef idx="2">
+            <a:schemeClr val="accent1">
+              <a:shade val="50000"/>
+            </a:schemeClr>
+          </a:lnRef>
+          <a:fillRef idx="1">
+            <a:schemeClr val="accent1"/>
+          </a:fillRef>
+          <a:effectRef idx="0">
+            <a:schemeClr val="accent1"/>
+          </a:effectRef>
+          <a:fontRef idx="minor">
+            <a:schemeClr val="lt1"/>
+          </a:fontRef>
+        </p:style>
+        <p:txBody>
+          <a:bodyPr rtlCol="0" anchor="ctr"/>
+          <a:lstStyle/>
+          <a:p>
+            <a:pPr algn="ctr"/>
+            <a:endParaRPr lang="en-US"/>
+          </a:p>
+        </p:txBody>
+      </p:sp>
       <p:pic>
         <p:nvPicPr>
-          <p:cNvPr id="10" name="Picture 9"/>
+          <p:cNvPr id="17" name="Picture 16"/>
           <p:cNvPicPr>
             <a:picLocks noChangeAspect="1"/>
           </p:cNvPicPr>
@@ -13027,9 +11649,9 @@
           </a:stretch>
         </p:blipFill>
         <p:spPr>
-          <a:xfrm>
-            <a:off x="9642410" y="3308189"/>
-            <a:ext cx="2452416" cy="1267405"/>
+          <a:xfrm rot="3687292">
+            <a:off x="8064901" y="3573355"/>
+            <a:ext cx="4547656" cy="773203"/>
           </a:xfrm>
           <a:prstGeom prst="rect">
             <a:avLst/>
@@ -13038,127 +11660,14 @@
       </p:pic>
       <p:sp>
         <p:nvSpPr>
-          <p:cNvPr id="13" name="Title 1"/>
-          <p:cNvSpPr txBox="1">
-            <a:spLocks/>
-          </p:cNvSpPr>
+          <p:cNvPr id="19" name="Rectangle 18"/>
+          <p:cNvSpPr/>
           <p:nvPr/>
         </p:nvSpPr>
         <p:spPr>
-          <a:xfrm>
-            <a:off x="1408253" y="281457"/>
-            <a:ext cx="9946511" cy="1350831"/>
-          </a:xfrm>
-          <a:prstGeom prst="rect">
-            <a:avLst/>
-          </a:prstGeom>
-        </p:spPr>
-        <p:txBody>
-          <a:bodyPr vert="horz" lIns="91440" tIns="45720" rIns="91440" bIns="45720" rtlCol="0" anchor="b">
-            <a:normAutofit/>
-          </a:bodyPr>
-          <a:lstStyle>
-            <a:lvl1pPr algn="ctr" defTabSz="914400" rtl="0" eaLnBrk="1" latinLnBrk="0" hangingPunct="1">
-              <a:lnSpc>
-                <a:spcPct val="90000"/>
-              </a:lnSpc>
-              <a:spcBef>
-                <a:spcPct val="0"/>
-              </a:spcBef>
-              <a:buNone/>
-              <a:defRPr sz="6000" kern="1200">
-                <a:solidFill>
-                  <a:schemeClr val="tx1"/>
-                </a:solidFill>
-                <a:latin typeface="+mj-lt"/>
-                <a:ea typeface="+mj-ea"/>
-                <a:cs typeface="+mj-cs"/>
-              </a:defRPr>
-            </a:lvl1pPr>
-          </a:lstStyle>
-          <a:p>
-            <a:r>
-              <a:rPr lang="en-US" b="1" dirty="0" err="1" smtClean="0">
-                <a:ln>
-                  <a:solidFill>
-                    <a:schemeClr val="tx1">
-                      <a:alpha val="70000"/>
-                    </a:schemeClr>
-                  </a:solidFill>
-                </a:ln>
-                <a:solidFill>
-                  <a:srgbClr val="C49B00"/>
-                </a:solidFill>
-                <a:latin typeface="Bangla Sangam MN" charset="0"/>
-                <a:ea typeface="Bangla Sangam MN" charset="0"/>
-                <a:cs typeface="Bangla Sangam MN" charset="0"/>
-              </a:rPr>
-              <a:t>f</a:t>
-            </a:r>
-            <a:r>
-              <a:rPr lang="en-US" b="1" baseline="-25000" dirty="0" err="1" smtClean="0">
-                <a:ln>
-                  <a:solidFill>
-                    <a:schemeClr val="tx1">
-                      <a:alpha val="70000"/>
-                    </a:schemeClr>
-                  </a:solidFill>
-                </a:ln>
-                <a:solidFill>
-                  <a:srgbClr val="C49B00"/>
-                </a:solidFill>
-                <a:latin typeface="Bangla Sangam MN" charset="0"/>
-                <a:ea typeface="Bangla Sangam MN" charset="0"/>
-                <a:cs typeface="Bangla Sangam MN" charset="0"/>
-              </a:rPr>
-              <a:t>esc</a:t>
-            </a:r>
-            <a:r>
-              <a:rPr lang="en-US" b="1" dirty="0" smtClean="0">
-                <a:ln>
-                  <a:solidFill>
-                    <a:schemeClr val="tx1">
-                      <a:alpha val="70000"/>
-                    </a:schemeClr>
-                  </a:solidFill>
-                </a:ln>
-                <a:solidFill>
-                  <a:srgbClr val="C49B00"/>
-                </a:solidFill>
-                <a:latin typeface="Bangla Sangam MN" charset="0"/>
-                <a:ea typeface="Bangla Sangam MN" charset="0"/>
-                <a:cs typeface="Bangla Sangam MN" charset="0"/>
-              </a:rPr>
-              <a:t> Is Complex</a:t>
-            </a:r>
-            <a:endParaRPr lang="en-US" b="1" dirty="0">
-              <a:ln>
-                <a:solidFill>
-                  <a:schemeClr val="tx1">
-                    <a:alpha val="70000"/>
-                  </a:schemeClr>
-                </a:solidFill>
-              </a:ln>
-              <a:solidFill>
-                <a:srgbClr val="C49B00"/>
-              </a:solidFill>
-              <a:latin typeface="Bangla Sangam MN" charset="0"/>
-              <a:ea typeface="Bangla Sangam MN" charset="0"/>
-              <a:cs typeface="Bangla Sangam MN" charset="0"/>
-            </a:endParaRPr>
-          </a:p>
-        </p:txBody>
-      </p:sp>
-      <p:sp>
-        <p:nvSpPr>
-          <p:cNvPr id="14" name="TextBox 13"/>
-          <p:cNvSpPr txBox="1"/>
-          <p:nvPr/>
-        </p:nvSpPr>
-        <p:spPr>
-          <a:xfrm>
-            <a:off x="437441" y="488739"/>
-            <a:ext cx="11513927" cy="1446550"/>
+          <a:xfrm rot="982949">
+            <a:off x="5103254" y="4249894"/>
+            <a:ext cx="5023266" cy="866752"/>
           </a:xfrm>
           <a:prstGeom prst="rect">
             <a:avLst/>
@@ -13166,7 +11675,134 @@
           <a:solidFill>
             <a:schemeClr val="bg1"/>
           </a:solidFill>
-          <a:effectLst/>
+          <a:effectLst>
+            <a:glow rad="127000">
+              <a:srgbClr val="D71E02">
+                <a:alpha val="68000"/>
+              </a:srgbClr>
+            </a:glow>
+          </a:effectLst>
+        </p:spPr>
+        <p:style>
+          <a:lnRef idx="2">
+            <a:schemeClr val="accent1">
+              <a:shade val="50000"/>
+            </a:schemeClr>
+          </a:lnRef>
+          <a:fillRef idx="1">
+            <a:schemeClr val="accent1"/>
+          </a:fillRef>
+          <a:effectRef idx="0">
+            <a:schemeClr val="accent1"/>
+          </a:effectRef>
+          <a:fontRef idx="minor">
+            <a:schemeClr val="lt1"/>
+          </a:fontRef>
+        </p:style>
+        <p:txBody>
+          <a:bodyPr rtlCol="0" anchor="ctr"/>
+          <a:lstStyle/>
+          <a:p>
+            <a:pPr algn="ctr"/>
+            <a:endParaRPr lang="en-US"/>
+          </a:p>
+        </p:txBody>
+      </p:sp>
+      <p:pic>
+        <p:nvPicPr>
+          <p:cNvPr id="20" name="Picture 19"/>
+          <p:cNvPicPr>
+            <a:picLocks noChangeAspect="1"/>
+          </p:cNvPicPr>
+          <p:nvPr/>
+        </p:nvPicPr>
+        <p:blipFill>
+          <a:blip r:embed="rId7">
+            <a:extLst>
+              <a:ext uri="{28A0092B-C50C-407E-A947-70E740481C1C}">
+                <a14:useLocalDpi xmlns:a14="http://schemas.microsoft.com/office/drawing/2010/main" val="0"/>
+              </a:ext>
+            </a:extLst>
+          </a:blip>
+          <a:stretch>
+            <a:fillRect/>
+          </a:stretch>
+        </p:blipFill>
+        <p:spPr>
+          <a:xfrm rot="982949">
+            <a:off x="5419825" y="4322841"/>
+            <a:ext cx="4390124" cy="768777"/>
+          </a:xfrm>
+          <a:prstGeom prst="rect">
+            <a:avLst/>
+          </a:prstGeom>
+        </p:spPr>
+      </p:pic>
+      <p:sp>
+        <p:nvSpPr>
+          <p:cNvPr id="21" name="Rectangle 20"/>
+          <p:cNvSpPr/>
+          <p:nvPr/>
+        </p:nvSpPr>
+        <p:spPr>
+          <a:xfrm rot="21065017">
+            <a:off x="181675" y="4714541"/>
+            <a:ext cx="5023266" cy="866752"/>
+          </a:xfrm>
+          <a:prstGeom prst="rect">
+            <a:avLst/>
+          </a:prstGeom>
+          <a:solidFill>
+            <a:schemeClr val="bg1"/>
+          </a:solidFill>
+          <a:effectLst>
+            <a:glow rad="127000">
+              <a:srgbClr val="D71E02">
+                <a:alpha val="68000"/>
+              </a:srgbClr>
+            </a:glow>
+          </a:effectLst>
+        </p:spPr>
+        <p:style>
+          <a:lnRef idx="2">
+            <a:schemeClr val="accent1">
+              <a:shade val="50000"/>
+            </a:schemeClr>
+          </a:lnRef>
+          <a:fillRef idx="1">
+            <a:schemeClr val="accent1"/>
+          </a:fillRef>
+          <a:effectRef idx="0">
+            <a:schemeClr val="accent1"/>
+          </a:effectRef>
+          <a:fontRef idx="minor">
+            <a:schemeClr val="lt1"/>
+          </a:fontRef>
+        </p:style>
+        <p:txBody>
+          <a:bodyPr rtlCol="0" anchor="ctr"/>
+          <a:lstStyle/>
+          <a:p>
+            <a:pPr algn="ctr"/>
+            <a:endParaRPr lang="en-US"/>
+          </a:p>
+        </p:txBody>
+      </p:sp>
+      <p:sp>
+        <p:nvSpPr>
+          <p:cNvPr id="22" name="TextBox 21"/>
+          <p:cNvSpPr txBox="1"/>
+          <p:nvPr/>
+        </p:nvSpPr>
+        <p:spPr>
+          <a:xfrm rot="21065017">
+            <a:off x="301132" y="4783248"/>
+            <a:ext cx="4673567" cy="769441"/>
+          </a:xfrm>
+          <a:prstGeom prst="rect">
+            <a:avLst/>
+          </a:prstGeom>
+          <a:noFill/>
         </p:spPr>
         <p:txBody>
           <a:bodyPr wrap="square" rtlCol="0">
@@ -13177,40 +11813,278 @@
             <a:pPr algn="ctr"/>
             <a:r>
               <a:rPr lang="en-US" sz="4400" dirty="0" smtClean="0">
-                <a:ln>
-                  <a:solidFill>
-                    <a:schemeClr val="tx1"/>
-                  </a:solidFill>
-                </a:ln>
-                <a:solidFill>
-                  <a:srgbClr val="C00000"/>
-                </a:solidFill>
-                <a:effectLst>
-                  <a:outerShdw blurRad="50800" dist="38100" dir="2700000" algn="tl" rotWithShape="0">
-                    <a:prstClr val="black">
-                      <a:alpha val="40000"/>
-                    </a:prstClr>
-                  </a:outerShdw>
-                </a:effectLst>
-                <a:latin typeface="Bangla Sangam MN" charset="0"/>
-                <a:ea typeface="Bangla Sangam MN" charset="0"/>
-                <a:cs typeface="Bangla Sangam MN" charset="0"/>
-              </a:rPr>
-              <a:t>“Couldn’t we just choose any escape fraction?”</a:t>
-            </a:r>
-          </a:p>
-        </p:txBody>
-      </p:sp>
+                <a:latin typeface="Comic Sans MS" charset="0"/>
+                <a:ea typeface="Comic Sans MS" charset="0"/>
+                <a:cs typeface="Comic Sans MS" charset="0"/>
+              </a:rPr>
+              <a:t>Sample Text</a:t>
+            </a:r>
+            <a:endParaRPr lang="en-US" sz="4400" dirty="0">
+              <a:latin typeface="Comic Sans MS" charset="0"/>
+              <a:ea typeface="Comic Sans MS" charset="0"/>
+              <a:cs typeface="Comic Sans MS" charset="0"/>
+            </a:endParaRPr>
+          </a:p>
+        </p:txBody>
+      </p:sp>
+      <p:sp>
+        <p:nvSpPr>
+          <p:cNvPr id="25" name="Rectangle 24"/>
+          <p:cNvSpPr/>
+          <p:nvPr/>
+        </p:nvSpPr>
+        <p:spPr>
+          <a:xfrm rot="21228955">
+            <a:off x="2955358" y="2491184"/>
+            <a:ext cx="6461986" cy="837866"/>
+          </a:xfrm>
+          <a:prstGeom prst="rect">
+            <a:avLst/>
+          </a:prstGeom>
+          <a:solidFill>
+            <a:schemeClr val="bg1"/>
+          </a:solidFill>
+          <a:effectLst>
+            <a:glow rad="127000">
+              <a:srgbClr val="D71E02">
+                <a:alpha val="68000"/>
+              </a:srgbClr>
+            </a:glow>
+          </a:effectLst>
+        </p:spPr>
+        <p:style>
+          <a:lnRef idx="2">
+            <a:schemeClr val="accent1">
+              <a:shade val="50000"/>
+            </a:schemeClr>
+          </a:lnRef>
+          <a:fillRef idx="1">
+            <a:schemeClr val="accent1"/>
+          </a:fillRef>
+          <a:effectRef idx="0">
+            <a:schemeClr val="accent1"/>
+          </a:effectRef>
+          <a:fontRef idx="minor">
+            <a:schemeClr val="lt1"/>
+          </a:fontRef>
+        </p:style>
+        <p:txBody>
+          <a:bodyPr rtlCol="0" anchor="ctr"/>
+          <a:lstStyle/>
+          <a:p>
+            <a:pPr algn="ctr"/>
+            <a:endParaRPr lang="en-US"/>
+          </a:p>
+        </p:txBody>
+      </p:sp>
+      <p:pic>
+        <p:nvPicPr>
+          <p:cNvPr id="24" name="Picture 23"/>
+          <p:cNvPicPr>
+            <a:picLocks noChangeAspect="1"/>
+          </p:cNvPicPr>
+          <p:nvPr/>
+        </p:nvPicPr>
+        <p:blipFill>
+          <a:blip r:embed="rId8">
+            <a:extLst>
+              <a:ext uri="{28A0092B-C50C-407E-A947-70E740481C1C}">
+                <a14:useLocalDpi xmlns:a14="http://schemas.microsoft.com/office/drawing/2010/main" val="0"/>
+              </a:ext>
+            </a:extLst>
+          </a:blip>
+          <a:stretch>
+            <a:fillRect/>
+          </a:stretch>
+        </p:blipFill>
+        <p:spPr>
+          <a:xfrm rot="21228955">
+            <a:off x="3022674" y="2599481"/>
+            <a:ext cx="6394670" cy="662118"/>
+          </a:xfrm>
+          <a:prstGeom prst="rect">
+            <a:avLst/>
+          </a:prstGeom>
+        </p:spPr>
+      </p:pic>
+      <p:sp>
+        <p:nvSpPr>
+          <p:cNvPr id="14" name="Rectangle 13"/>
+          <p:cNvSpPr/>
+          <p:nvPr/>
+        </p:nvSpPr>
+        <p:spPr>
+          <a:xfrm rot="17150999">
+            <a:off x="-272768" y="3701298"/>
+            <a:ext cx="4964723" cy="878894"/>
+          </a:xfrm>
+          <a:prstGeom prst="rect">
+            <a:avLst/>
+          </a:prstGeom>
+          <a:solidFill>
+            <a:schemeClr val="bg1"/>
+          </a:solidFill>
+          <a:effectLst>
+            <a:glow rad="127000">
+              <a:srgbClr val="D71E02">
+                <a:alpha val="68000"/>
+              </a:srgbClr>
+            </a:glow>
+          </a:effectLst>
+        </p:spPr>
+        <p:style>
+          <a:lnRef idx="2">
+            <a:schemeClr val="accent1">
+              <a:shade val="50000"/>
+            </a:schemeClr>
+          </a:lnRef>
+          <a:fillRef idx="1">
+            <a:schemeClr val="accent1"/>
+          </a:fillRef>
+          <a:effectRef idx="0">
+            <a:schemeClr val="accent1"/>
+          </a:effectRef>
+          <a:fontRef idx="minor">
+            <a:schemeClr val="lt1"/>
+          </a:fontRef>
+        </p:style>
+        <p:txBody>
+          <a:bodyPr rtlCol="0" anchor="ctr"/>
+          <a:lstStyle/>
+          <a:p>
+            <a:pPr algn="ctr"/>
+            <a:endParaRPr lang="en-US"/>
+          </a:p>
+        </p:txBody>
+      </p:sp>
+      <p:pic>
+        <p:nvPicPr>
+          <p:cNvPr id="15" name="Picture 14"/>
+          <p:cNvPicPr>
+            <a:picLocks noChangeAspect="1"/>
+          </p:cNvPicPr>
+          <p:nvPr/>
+        </p:nvPicPr>
+        <p:blipFill>
+          <a:blip r:embed="rId9">
+            <a:extLst>
+              <a:ext uri="{28A0092B-C50C-407E-A947-70E740481C1C}">
+                <a14:useLocalDpi xmlns:a14="http://schemas.microsoft.com/office/drawing/2010/main" val="0"/>
+              </a:ext>
+            </a:extLst>
+          </a:blip>
+          <a:stretch>
+            <a:fillRect/>
+          </a:stretch>
+        </p:blipFill>
+        <p:spPr>
+          <a:xfrm rot="17150999">
+            <a:off x="-243955" y="3885916"/>
+            <a:ext cx="4883750" cy="545831"/>
+          </a:xfrm>
+          <a:prstGeom prst="rect">
+            <a:avLst/>
+          </a:prstGeom>
+        </p:spPr>
+      </p:pic>
+      <p:sp>
+        <p:nvSpPr>
+          <p:cNvPr id="27" name="Rectangle 26"/>
+          <p:cNvSpPr/>
+          <p:nvPr/>
+        </p:nvSpPr>
+        <p:spPr>
+          <a:xfrm>
+            <a:off x="1007334" y="3193024"/>
+            <a:ext cx="10178825" cy="1101627"/>
+          </a:xfrm>
+          <a:prstGeom prst="rect">
+            <a:avLst/>
+          </a:prstGeom>
+          <a:solidFill>
+            <a:schemeClr val="bg1"/>
+          </a:solidFill>
+          <a:effectLst>
+            <a:glow rad="127000">
+              <a:srgbClr val="D71E02">
+                <a:alpha val="68000"/>
+              </a:srgbClr>
+            </a:glow>
+          </a:effectLst>
+        </p:spPr>
+        <p:style>
+          <a:lnRef idx="2">
+            <a:schemeClr val="accent1">
+              <a:shade val="50000"/>
+            </a:schemeClr>
+          </a:lnRef>
+          <a:fillRef idx="1">
+            <a:schemeClr val="accent1"/>
+          </a:fillRef>
+          <a:effectRef idx="0">
+            <a:schemeClr val="accent1"/>
+          </a:effectRef>
+          <a:fontRef idx="minor">
+            <a:schemeClr val="lt1"/>
+          </a:fontRef>
+        </p:style>
+        <p:txBody>
+          <a:bodyPr rtlCol="0" anchor="ctr"/>
+          <a:lstStyle/>
+          <a:p>
+            <a:pPr algn="ctr"/>
+            <a:endParaRPr lang="en-US"/>
+          </a:p>
+        </p:txBody>
+      </p:sp>
+      <p:pic>
+        <p:nvPicPr>
+          <p:cNvPr id="28" name="Picture 27"/>
+          <p:cNvPicPr>
+            <a:picLocks noChangeAspect="1"/>
+          </p:cNvPicPr>
+          <p:nvPr/>
+        </p:nvPicPr>
+        <p:blipFill>
+          <a:blip r:embed="rId10">
+            <a:extLst>
+              <a:ext uri="{28A0092B-C50C-407E-A947-70E740481C1C}">
+                <a14:useLocalDpi xmlns:a14="http://schemas.microsoft.com/office/drawing/2010/main" val="0"/>
+              </a:ext>
+            </a:extLst>
+          </a:blip>
+          <a:stretch>
+            <a:fillRect/>
+          </a:stretch>
+        </p:blipFill>
+        <p:spPr>
+          <a:xfrm>
+            <a:off x="1067546" y="3432495"/>
+            <a:ext cx="10058400" cy="641307"/>
+          </a:xfrm>
+          <a:prstGeom prst="rect">
+            <a:avLst/>
+          </a:prstGeom>
+        </p:spPr>
+      </p:pic>
     </p:spTree>
     <p:extLst>
       <p:ext uri="{BB962C8B-B14F-4D97-AF65-F5344CB8AC3E}">
-        <p14:creationId xmlns:p14="http://schemas.microsoft.com/office/powerpoint/2010/main" val="199792022"/>
+        <p14:creationId xmlns:p14="http://schemas.microsoft.com/office/powerpoint/2010/main" val="1953805426"/>
       </p:ext>
     </p:extLst>
   </p:cSld>
   <p:clrMapOvr>
     <a:masterClrMapping/>
   </p:clrMapOvr>
+  <mc:AlternateContent xmlns:mc="http://schemas.openxmlformats.org/markup-compatibility/2006" xmlns:p14="http://schemas.microsoft.com/office/powerpoint/2010/main">
+    <mc:Choice Requires="p14">
+      <p:transition spd="slow" p14:dur="2000"/>
+    </mc:Choice>
+    <mc:Fallback xmlns="">
+      <p:transition spd="slow"/>
+    </mc:Fallback>
+  </mc:AlternateContent>
   <p:timing>
     <p:tnLst>
       <p:par>
@@ -13232,7 +12106,7 @@
                             </p:stCondLst>
                             <p:childTnLst>
                               <p:par>
-                                <p:cTn id="5" presetID="1" presetClass="entr" presetSubtype="0" fill="hold" grpId="0" nodeType="clickEffect">
+                                <p:cTn id="5" presetID="1" presetClass="entr" presetSubtype="0" fill="hold" nodeType="clickEffect">
                                   <p:stCondLst>
                                     <p:cond delay="0"/>
                                   </p:stCondLst>
@@ -13245,7 +12119,394 @@
                                           </p:stCondLst>
                                         </p:cTn>
                                         <p:tgtEl>
+                                          <p:spTgt spid="20"/>
+                                        </p:tgtEl>
+                                        <p:attrNameLst>
+                                          <p:attrName>style.visibility</p:attrName>
+                                        </p:attrNameLst>
+                                      </p:cBhvr>
+                                      <p:to>
+                                        <p:strVal val="visible"/>
+                                      </p:to>
+                                    </p:set>
+                                  </p:childTnLst>
+                                </p:cTn>
+                              </p:par>
+                              <p:par>
+                                <p:cTn id="7" presetID="1" presetClass="entr" presetSubtype="0" fill="hold" grpId="0" nodeType="withEffect">
+                                  <p:stCondLst>
+                                    <p:cond delay="0"/>
+                                  </p:stCondLst>
+                                  <p:childTnLst>
+                                    <p:set>
+                                      <p:cBhvr>
+                                        <p:cTn id="8" dur="1" fill="hold">
+                                          <p:stCondLst>
+                                            <p:cond delay="0"/>
+                                          </p:stCondLst>
+                                        </p:cTn>
+                                        <p:tgtEl>
+                                          <p:spTgt spid="19"/>
+                                        </p:tgtEl>
+                                        <p:attrNameLst>
+                                          <p:attrName>style.visibility</p:attrName>
+                                        </p:attrNameLst>
+                                      </p:cBhvr>
+                                      <p:to>
+                                        <p:strVal val="visible"/>
+                                      </p:to>
+                                    </p:set>
+                                  </p:childTnLst>
+                                </p:cTn>
+                              </p:par>
+                            </p:childTnLst>
+                          </p:cTn>
+                        </p:par>
+                      </p:childTnLst>
+                    </p:cTn>
+                  </p:par>
+                  <p:par>
+                    <p:cTn id="9" fill="hold">
+                      <p:stCondLst>
+                        <p:cond delay="indefinite"/>
+                      </p:stCondLst>
+                      <p:childTnLst>
+                        <p:par>
+                          <p:cTn id="10" fill="hold">
+                            <p:stCondLst>
+                              <p:cond delay="0"/>
+                            </p:stCondLst>
+                            <p:childTnLst>
+                              <p:par>
+                                <p:cTn id="11" presetID="1" presetClass="entr" presetSubtype="0" fill="hold" nodeType="clickEffect">
+                                  <p:stCondLst>
+                                    <p:cond delay="0"/>
+                                  </p:stCondLst>
+                                  <p:childTnLst>
+                                    <p:set>
+                                      <p:cBhvr>
+                                        <p:cTn id="12" dur="1" fill="hold">
+                                          <p:stCondLst>
+                                            <p:cond delay="0"/>
+                                          </p:stCondLst>
+                                        </p:cTn>
+                                        <p:tgtEl>
+                                          <p:spTgt spid="17"/>
+                                        </p:tgtEl>
+                                        <p:attrNameLst>
+                                          <p:attrName>style.visibility</p:attrName>
+                                        </p:attrNameLst>
+                                      </p:cBhvr>
+                                      <p:to>
+                                        <p:strVal val="visible"/>
+                                      </p:to>
+                                    </p:set>
+                                  </p:childTnLst>
+                                </p:cTn>
+                              </p:par>
+                              <p:par>
+                                <p:cTn id="13" presetID="1" presetClass="entr" presetSubtype="0" fill="hold" grpId="0" nodeType="withEffect">
+                                  <p:stCondLst>
+                                    <p:cond delay="0"/>
+                                  </p:stCondLst>
+                                  <p:childTnLst>
+                                    <p:set>
+                                      <p:cBhvr>
+                                        <p:cTn id="14" dur="1" fill="hold">
+                                          <p:stCondLst>
+                                            <p:cond delay="0"/>
+                                          </p:stCondLst>
+                                        </p:cTn>
+                                        <p:tgtEl>
+                                          <p:spTgt spid="18"/>
+                                        </p:tgtEl>
+                                        <p:attrNameLst>
+                                          <p:attrName>style.visibility</p:attrName>
+                                        </p:attrNameLst>
+                                      </p:cBhvr>
+                                      <p:to>
+                                        <p:strVal val="visible"/>
+                                      </p:to>
+                                    </p:set>
+                                  </p:childTnLst>
+                                </p:cTn>
+                              </p:par>
+                            </p:childTnLst>
+                          </p:cTn>
+                        </p:par>
+                      </p:childTnLst>
+                    </p:cTn>
+                  </p:par>
+                  <p:par>
+                    <p:cTn id="15" fill="hold">
+                      <p:stCondLst>
+                        <p:cond delay="indefinite"/>
+                      </p:stCondLst>
+                      <p:childTnLst>
+                        <p:par>
+                          <p:cTn id="16" fill="hold">
+                            <p:stCondLst>
+                              <p:cond delay="0"/>
+                            </p:stCondLst>
+                            <p:childTnLst>
+                              <p:par>
+                                <p:cTn id="17" presetID="1" presetClass="entr" presetSubtype="0" fill="hold" grpId="0" nodeType="clickEffect">
+                                  <p:stCondLst>
+                                    <p:cond delay="0"/>
+                                  </p:stCondLst>
+                                  <p:childTnLst>
+                                    <p:set>
+                                      <p:cBhvr>
+                                        <p:cTn id="18" dur="1" fill="hold">
+                                          <p:stCondLst>
+                                            <p:cond delay="0"/>
+                                          </p:stCondLst>
+                                        </p:cTn>
+                                        <p:tgtEl>
+                                          <p:spTgt spid="22"/>
+                                        </p:tgtEl>
+                                        <p:attrNameLst>
+                                          <p:attrName>style.visibility</p:attrName>
+                                        </p:attrNameLst>
+                                      </p:cBhvr>
+                                      <p:to>
+                                        <p:strVal val="visible"/>
+                                      </p:to>
+                                    </p:set>
+                                  </p:childTnLst>
+                                </p:cTn>
+                              </p:par>
+                              <p:par>
+                                <p:cTn id="19" presetID="1" presetClass="entr" presetSubtype="0" fill="hold" grpId="0" nodeType="withEffect">
+                                  <p:stCondLst>
+                                    <p:cond delay="0"/>
+                                  </p:stCondLst>
+                                  <p:childTnLst>
+                                    <p:set>
+                                      <p:cBhvr>
+                                        <p:cTn id="20" dur="1" fill="hold">
+                                          <p:stCondLst>
+                                            <p:cond delay="0"/>
+                                          </p:stCondLst>
+                                        </p:cTn>
+                                        <p:tgtEl>
+                                          <p:spTgt spid="21"/>
+                                        </p:tgtEl>
+                                        <p:attrNameLst>
+                                          <p:attrName>style.visibility</p:attrName>
+                                        </p:attrNameLst>
+                                      </p:cBhvr>
+                                      <p:to>
+                                        <p:strVal val="visible"/>
+                                      </p:to>
+                                    </p:set>
+                                  </p:childTnLst>
+                                </p:cTn>
+                              </p:par>
+                            </p:childTnLst>
+                          </p:cTn>
+                        </p:par>
+                      </p:childTnLst>
+                    </p:cTn>
+                  </p:par>
+                  <p:par>
+                    <p:cTn id="21" fill="hold">
+                      <p:stCondLst>
+                        <p:cond delay="indefinite"/>
+                      </p:stCondLst>
+                      <p:childTnLst>
+                        <p:par>
+                          <p:cTn id="22" fill="hold">
+                            <p:stCondLst>
+                              <p:cond delay="0"/>
+                            </p:stCondLst>
+                            <p:childTnLst>
+                              <p:par>
+                                <p:cTn id="23" presetID="1" presetClass="entr" presetSubtype="0" fill="hold" grpId="0" nodeType="clickEffect">
+                                  <p:stCondLst>
+                                    <p:cond delay="0"/>
+                                  </p:stCondLst>
+                                  <p:childTnLst>
+                                    <p:set>
+                                      <p:cBhvr>
+                                        <p:cTn id="24" dur="1" fill="hold">
+                                          <p:stCondLst>
+                                            <p:cond delay="0"/>
+                                          </p:stCondLst>
+                                        </p:cTn>
+                                        <p:tgtEl>
                                           <p:spTgt spid="14"/>
+                                        </p:tgtEl>
+                                        <p:attrNameLst>
+                                          <p:attrName>style.visibility</p:attrName>
+                                        </p:attrNameLst>
+                                      </p:cBhvr>
+                                      <p:to>
+                                        <p:strVal val="visible"/>
+                                      </p:to>
+                                    </p:set>
+                                  </p:childTnLst>
+                                </p:cTn>
+                              </p:par>
+                              <p:par>
+                                <p:cTn id="25" presetID="1" presetClass="entr" presetSubtype="0" fill="hold" nodeType="withEffect">
+                                  <p:stCondLst>
+                                    <p:cond delay="0"/>
+                                  </p:stCondLst>
+                                  <p:childTnLst>
+                                    <p:set>
+                                      <p:cBhvr>
+                                        <p:cTn id="26" dur="1" fill="hold">
+                                          <p:stCondLst>
+                                            <p:cond delay="0"/>
+                                          </p:stCondLst>
+                                        </p:cTn>
+                                        <p:tgtEl>
+                                          <p:spTgt spid="15"/>
+                                        </p:tgtEl>
+                                        <p:attrNameLst>
+                                          <p:attrName>style.visibility</p:attrName>
+                                        </p:attrNameLst>
+                                      </p:cBhvr>
+                                      <p:to>
+                                        <p:strVal val="visible"/>
+                                      </p:to>
+                                    </p:set>
+                                  </p:childTnLst>
+                                </p:cTn>
+                              </p:par>
+                            </p:childTnLst>
+                          </p:cTn>
+                        </p:par>
+                      </p:childTnLst>
+                    </p:cTn>
+                  </p:par>
+                  <p:par>
+                    <p:cTn id="27" fill="hold">
+                      <p:stCondLst>
+                        <p:cond delay="indefinite"/>
+                      </p:stCondLst>
+                      <p:childTnLst>
+                        <p:par>
+                          <p:cTn id="28" fill="hold">
+                            <p:stCondLst>
+                              <p:cond delay="0"/>
+                            </p:stCondLst>
+                            <p:childTnLst>
+                              <p:par>
+                                <p:cTn id="29" presetID="1" presetClass="entr" presetSubtype="0" fill="hold" nodeType="clickEffect">
+                                  <p:stCondLst>
+                                    <p:cond delay="0"/>
+                                  </p:stCondLst>
+                                  <p:childTnLst>
+                                    <p:set>
+                                      <p:cBhvr>
+                                        <p:cTn id="30" dur="1" fill="hold">
+                                          <p:stCondLst>
+                                            <p:cond delay="0"/>
+                                          </p:stCondLst>
+                                        </p:cTn>
+                                        <p:tgtEl>
+                                          <p:spTgt spid="24"/>
+                                        </p:tgtEl>
+                                        <p:attrNameLst>
+                                          <p:attrName>style.visibility</p:attrName>
+                                        </p:attrNameLst>
+                                      </p:cBhvr>
+                                      <p:to>
+                                        <p:strVal val="visible"/>
+                                      </p:to>
+                                    </p:set>
+                                  </p:childTnLst>
+                                </p:cTn>
+                              </p:par>
+                              <p:par>
+                                <p:cTn id="31" presetID="1" presetClass="entr" presetSubtype="0" fill="hold" grpId="0" nodeType="withEffect">
+                                  <p:stCondLst>
+                                    <p:cond delay="0"/>
+                                  </p:stCondLst>
+                                  <p:childTnLst>
+                                    <p:set>
+                                      <p:cBhvr>
+                                        <p:cTn id="32" dur="1" fill="hold">
+                                          <p:stCondLst>
+                                            <p:cond delay="0"/>
+                                          </p:stCondLst>
+                                        </p:cTn>
+                                        <p:tgtEl>
+                                          <p:spTgt spid="25"/>
+                                        </p:tgtEl>
+                                        <p:attrNameLst>
+                                          <p:attrName>style.visibility</p:attrName>
+                                        </p:attrNameLst>
+                                      </p:cBhvr>
+                                      <p:to>
+                                        <p:strVal val="visible"/>
+                                      </p:to>
+                                    </p:set>
+                                  </p:childTnLst>
+                                </p:cTn>
+                              </p:par>
+                            </p:childTnLst>
+                          </p:cTn>
+                        </p:par>
+                      </p:childTnLst>
+                    </p:cTn>
+                  </p:par>
+                  <p:par>
+                    <p:cTn id="33" fill="hold">
+                      <p:stCondLst>
+                        <p:cond delay="indefinite"/>
+                      </p:stCondLst>
+                      <p:childTnLst>
+                        <p:par>
+                          <p:cTn id="34" fill="hold">
+                            <p:stCondLst>
+                              <p:cond delay="0"/>
+                            </p:stCondLst>
+                            <p:childTnLst>
+                              <p:par>
+                                <p:cTn id="35" presetID="1" presetClass="entr" presetSubtype="0" fill="hold" nodeType="clickEffect">
+                                  <p:stCondLst>
+                                    <p:cond delay="0"/>
+                                  </p:stCondLst>
+                                  <p:childTnLst>
+                                    <p:set>
+                                      <p:cBhvr>
+                                        <p:cTn id="36" dur="1" fill="hold">
+                                          <p:stCondLst>
+                                            <p:cond delay="0"/>
+                                          </p:stCondLst>
+                                        </p:cTn>
+                                        <p:tgtEl>
+                                          <p:spTgt spid="28"/>
+                                        </p:tgtEl>
+                                        <p:attrNameLst>
+                                          <p:attrName>style.visibility</p:attrName>
+                                        </p:attrNameLst>
+                                      </p:cBhvr>
+                                      <p:to>
+                                        <p:strVal val="visible"/>
+                                      </p:to>
+                                    </p:set>
+                                  </p:childTnLst>
+                                </p:cTn>
+                              </p:par>
+                              <p:par>
+                                <p:cTn id="37" presetID="1" presetClass="entr" presetSubtype="0" fill="hold" grpId="0" nodeType="withEffect">
+                                  <p:stCondLst>
+                                    <p:cond delay="0"/>
+                                  </p:stCondLst>
+                                  <p:childTnLst>
+                                    <p:set>
+                                      <p:cBhvr>
+                                        <p:cTn id="38" dur="1" fill="hold">
+                                          <p:stCondLst>
+                                            <p:cond delay="0"/>
+                                          </p:stCondLst>
+                                        </p:cTn>
+                                        <p:tgtEl>
+                                          <p:spTgt spid="27"/>
                                         </p:tgtEl>
                                         <p:attrNameLst>
                                           <p:attrName>style.visibility</p:attrName>
@@ -13286,834 +12547,14 @@
       </p:par>
     </p:tnLst>
     <p:bldLst>
+      <p:bldP spid="18" grpId="0" animBg="1"/>
+      <p:bldP spid="19" grpId="0" animBg="1"/>
+      <p:bldP spid="21" grpId="0" animBg="1"/>
+      <p:bldP spid="22" grpId="0"/>
+      <p:bldP spid="25" grpId="0" animBg="1"/>
       <p:bldP spid="14" grpId="0" animBg="1"/>
+      <p:bldP spid="27" grpId="0" animBg="1"/>
     </p:bldLst>
-  </p:timing>
-</p:sld>
-</file>
-
-<file path=ppt/slides/slide8.xml><?xml version="1.0" encoding="utf-8"?>
-<p:sld xmlns:a="http://schemas.openxmlformats.org/drawingml/2006/main" xmlns:r="http://schemas.openxmlformats.org/officeDocument/2006/relationships" xmlns:p="http://schemas.openxmlformats.org/presentationml/2006/main">
-  <p:cSld>
-    <p:spTree>
-      <p:nvGrpSpPr>
-        <p:cNvPr id="1" name=""/>
-        <p:cNvGrpSpPr/>
-        <p:nvPr/>
-      </p:nvGrpSpPr>
-      <p:grpSpPr>
-        <a:xfrm>
-          <a:off x="0" y="0"/>
-          <a:ext cx="0" cy="0"/>
-          <a:chOff x="0" y="0"/>
-          <a:chExt cx="0" cy="0"/>
-        </a:xfrm>
-      </p:grpSpPr>
-      <p:sp>
-        <p:nvSpPr>
-          <p:cNvPr id="6" name="TextBox 5"/>
-          <p:cNvSpPr txBox="1"/>
-          <p:nvPr/>
-        </p:nvSpPr>
-        <p:spPr>
-          <a:xfrm>
-            <a:off x="177800" y="2087713"/>
-            <a:ext cx="11917026" cy="892552"/>
-          </a:xfrm>
-          <a:prstGeom prst="rect">
-            <a:avLst/>
-          </a:prstGeom>
-          <a:noFill/>
-        </p:spPr>
-        <p:txBody>
-          <a:bodyPr wrap="square" rtlCol="0">
-            <a:spAutoFit/>
-          </a:bodyPr>
-          <a:lstStyle/>
-          <a:p>
-            <a:pPr marL="285750" indent="-285750">
-              <a:buFont typeface="Arial" charset="0"/>
-              <a:buChar char="•"/>
-            </a:pPr>
-            <a:r>
-              <a:rPr lang="en-US" sz="2600" dirty="0" err="1" smtClean="0">
-                <a:solidFill>
-                  <a:schemeClr val="bg1"/>
-                </a:solidFill>
-                <a:latin typeface="Bangla Sangam MN" charset="0"/>
-                <a:ea typeface="Bangla Sangam MN" charset="0"/>
-                <a:cs typeface="Bangla Sangam MN" charset="0"/>
-              </a:rPr>
-              <a:t>f</a:t>
-            </a:r>
-            <a:r>
-              <a:rPr lang="en-US" sz="2600" baseline="-25000" dirty="0" err="1" smtClean="0">
-                <a:solidFill>
-                  <a:schemeClr val="bg1"/>
-                </a:solidFill>
-                <a:latin typeface="Bangla Sangam MN" charset="0"/>
-                <a:ea typeface="Bangla Sangam MN" charset="0"/>
-                <a:cs typeface="Bangla Sangam MN" charset="0"/>
-              </a:rPr>
-              <a:t>esc</a:t>
-            </a:r>
-            <a:r>
-              <a:rPr lang="en-US" sz="2600" baseline="-25000" dirty="0" smtClean="0">
-                <a:solidFill>
-                  <a:schemeClr val="bg1"/>
-                </a:solidFill>
-                <a:latin typeface="Bangla Sangam MN" charset="0"/>
-                <a:ea typeface="Bangla Sangam MN" charset="0"/>
-                <a:cs typeface="Bangla Sangam MN" charset="0"/>
-              </a:rPr>
-              <a:t> </a:t>
-            </a:r>
-            <a:r>
-              <a:rPr lang="en-US" sz="2600" dirty="0" smtClean="0">
-                <a:solidFill>
-                  <a:schemeClr val="bg1"/>
-                </a:solidFill>
-                <a:latin typeface="Bangla Sangam MN" charset="0"/>
-                <a:ea typeface="Bangla Sangam MN" charset="0"/>
-                <a:cs typeface="Bangla Sangam MN" charset="0"/>
-              </a:rPr>
-              <a:t>is a complex combination of many parameters. Choosing a constant fraction is a result of this complexity.</a:t>
-            </a:r>
-          </a:p>
-        </p:txBody>
-      </p:sp>
-      <p:pic>
-        <p:nvPicPr>
-          <p:cNvPr id="2" name="Picture 1"/>
-          <p:cNvPicPr>
-            <a:picLocks noChangeAspect="1"/>
-          </p:cNvPicPr>
-          <p:nvPr/>
-        </p:nvPicPr>
-        <p:blipFill>
-          <a:blip r:embed="rId3">
-            <a:extLst>
-              <a:ext uri="{28A0092B-C50C-407E-A947-70E740481C1C}">
-                <a14:useLocalDpi xmlns:a14="http://schemas.microsoft.com/office/drawing/2010/main" val="0"/>
-              </a:ext>
-            </a:extLst>
-          </a:blip>
-          <a:stretch>
-            <a:fillRect/>
-          </a:stretch>
-        </p:blipFill>
-        <p:spPr>
-          <a:xfrm>
-            <a:off x="45349" y="3315978"/>
-            <a:ext cx="6748817" cy="2807281"/>
-          </a:xfrm>
-          <a:prstGeom prst="rect">
-            <a:avLst/>
-          </a:prstGeom>
-        </p:spPr>
-      </p:pic>
-      <p:sp>
-        <p:nvSpPr>
-          <p:cNvPr id="12" name="TextBox 11"/>
-          <p:cNvSpPr txBox="1"/>
-          <p:nvPr/>
-        </p:nvSpPr>
-        <p:spPr>
-          <a:xfrm>
-            <a:off x="5083704" y="6488668"/>
-            <a:ext cx="2841095" cy="369332"/>
-          </a:xfrm>
-          <a:prstGeom prst="rect">
-            <a:avLst/>
-          </a:prstGeom>
-          <a:noFill/>
-        </p:spPr>
-        <p:txBody>
-          <a:bodyPr wrap="square" rtlCol="0">
-            <a:spAutoFit/>
-          </a:bodyPr>
-          <a:lstStyle/>
-          <a:p>
-            <a:r>
-              <a:rPr lang="en-US" dirty="0" smtClean="0">
-                <a:solidFill>
-                  <a:schemeClr val="bg1"/>
-                </a:solidFill>
-                <a:latin typeface="Bangla Sangam MN" charset="0"/>
-                <a:ea typeface="Bangla Sangam MN" charset="0"/>
-                <a:cs typeface="Bangla Sangam MN" charset="0"/>
-              </a:rPr>
-              <a:t>(</a:t>
-            </a:r>
-            <a:r>
-              <a:rPr lang="en-US" dirty="0" err="1" smtClean="0">
-                <a:solidFill>
-                  <a:schemeClr val="bg1"/>
-                </a:solidFill>
-                <a:latin typeface="Bangla Sangam MN" charset="0"/>
-                <a:ea typeface="Bangla Sangam MN" charset="0"/>
-                <a:cs typeface="Bangla Sangam MN" charset="0"/>
-              </a:rPr>
-              <a:t>Paardekooper</a:t>
-            </a:r>
-            <a:r>
-              <a:rPr lang="en-US" dirty="0" smtClean="0">
-                <a:solidFill>
-                  <a:schemeClr val="bg1"/>
-                </a:solidFill>
-                <a:latin typeface="Bangla Sangam MN" charset="0"/>
-                <a:ea typeface="Bangla Sangam MN" charset="0"/>
-                <a:cs typeface="Bangla Sangam MN" charset="0"/>
-              </a:rPr>
-              <a:t> 2015)</a:t>
-            </a:r>
-            <a:endParaRPr lang="en-US" dirty="0">
-              <a:solidFill>
-                <a:schemeClr val="bg1"/>
-              </a:solidFill>
-              <a:latin typeface="Bangla Sangam MN" charset="0"/>
-              <a:ea typeface="Bangla Sangam MN" charset="0"/>
-              <a:cs typeface="Bangla Sangam MN" charset="0"/>
-            </a:endParaRPr>
-          </a:p>
-        </p:txBody>
-      </p:sp>
-      <p:pic>
-        <p:nvPicPr>
-          <p:cNvPr id="8" name="Picture 7"/>
-          <p:cNvPicPr>
-            <a:picLocks noChangeAspect="1"/>
-          </p:cNvPicPr>
-          <p:nvPr/>
-        </p:nvPicPr>
-        <p:blipFill>
-          <a:blip r:embed="rId4">
-            <a:extLst>
-              <a:ext uri="{28A0092B-C50C-407E-A947-70E740481C1C}">
-                <a14:useLocalDpi xmlns:a14="http://schemas.microsoft.com/office/drawing/2010/main" val="0"/>
-              </a:ext>
-            </a:extLst>
-          </a:blip>
-          <a:stretch>
-            <a:fillRect/>
-          </a:stretch>
-        </p:blipFill>
-        <p:spPr>
-          <a:xfrm>
-            <a:off x="7031339" y="3315978"/>
-            <a:ext cx="2336273" cy="1267405"/>
-          </a:xfrm>
-          <a:prstGeom prst="rect">
-            <a:avLst/>
-          </a:prstGeom>
-        </p:spPr>
-      </p:pic>
-      <p:pic>
-        <p:nvPicPr>
-          <p:cNvPr id="9" name="Picture 8"/>
-          <p:cNvPicPr>
-            <a:picLocks noChangeAspect="1"/>
-          </p:cNvPicPr>
-          <p:nvPr/>
-        </p:nvPicPr>
-        <p:blipFill>
-          <a:blip r:embed="rId5">
-            <a:extLst>
-              <a:ext uri="{28A0092B-C50C-407E-A947-70E740481C1C}">
-                <a14:useLocalDpi xmlns:a14="http://schemas.microsoft.com/office/drawing/2010/main" val="0"/>
-              </a:ext>
-            </a:extLst>
-          </a:blip>
-          <a:stretch>
-            <a:fillRect/>
-          </a:stretch>
-        </p:blipFill>
-        <p:spPr>
-          <a:xfrm>
-            <a:off x="7581899" y="4844633"/>
-            <a:ext cx="3884784" cy="827628"/>
-          </a:xfrm>
-          <a:prstGeom prst="rect">
-            <a:avLst/>
-          </a:prstGeom>
-        </p:spPr>
-      </p:pic>
-      <p:pic>
-        <p:nvPicPr>
-          <p:cNvPr id="10" name="Picture 9"/>
-          <p:cNvPicPr>
-            <a:picLocks noChangeAspect="1"/>
-          </p:cNvPicPr>
-          <p:nvPr/>
-        </p:nvPicPr>
-        <p:blipFill>
-          <a:blip r:embed="rId6">
-            <a:extLst>
-              <a:ext uri="{28A0092B-C50C-407E-A947-70E740481C1C}">
-                <a14:useLocalDpi xmlns:a14="http://schemas.microsoft.com/office/drawing/2010/main" val="0"/>
-              </a:ext>
-            </a:extLst>
-          </a:blip>
-          <a:stretch>
-            <a:fillRect/>
-          </a:stretch>
-        </p:blipFill>
-        <p:spPr>
-          <a:xfrm>
-            <a:off x="9642410" y="3308189"/>
-            <a:ext cx="2452416" cy="1267405"/>
-          </a:xfrm>
-          <a:prstGeom prst="rect">
-            <a:avLst/>
-          </a:prstGeom>
-        </p:spPr>
-      </p:pic>
-      <p:sp>
-        <p:nvSpPr>
-          <p:cNvPr id="13" name="Title 1"/>
-          <p:cNvSpPr txBox="1">
-            <a:spLocks/>
-          </p:cNvSpPr>
-          <p:nvPr/>
-        </p:nvSpPr>
-        <p:spPr>
-          <a:xfrm>
-            <a:off x="1408253" y="281457"/>
-            <a:ext cx="9946511" cy="1350831"/>
-          </a:xfrm>
-          <a:prstGeom prst="rect">
-            <a:avLst/>
-          </a:prstGeom>
-        </p:spPr>
-        <p:txBody>
-          <a:bodyPr vert="horz" lIns="91440" tIns="45720" rIns="91440" bIns="45720" rtlCol="0" anchor="b">
-            <a:normAutofit/>
-          </a:bodyPr>
-          <a:lstStyle>
-            <a:lvl1pPr algn="ctr" defTabSz="914400" rtl="0" eaLnBrk="1" latinLnBrk="0" hangingPunct="1">
-              <a:lnSpc>
-                <a:spcPct val="90000"/>
-              </a:lnSpc>
-              <a:spcBef>
-                <a:spcPct val="0"/>
-              </a:spcBef>
-              <a:buNone/>
-              <a:defRPr sz="6000" kern="1200">
-                <a:solidFill>
-                  <a:schemeClr val="tx1"/>
-                </a:solidFill>
-                <a:latin typeface="+mj-lt"/>
-                <a:ea typeface="+mj-ea"/>
-                <a:cs typeface="+mj-cs"/>
-              </a:defRPr>
-            </a:lvl1pPr>
-          </a:lstStyle>
-          <a:p>
-            <a:r>
-              <a:rPr lang="en-US" b="1" dirty="0" err="1" smtClean="0">
-                <a:ln>
-                  <a:solidFill>
-                    <a:schemeClr val="tx1">
-                      <a:alpha val="70000"/>
-                    </a:schemeClr>
-                  </a:solidFill>
-                </a:ln>
-                <a:solidFill>
-                  <a:srgbClr val="C49B00"/>
-                </a:solidFill>
-                <a:latin typeface="Bangla Sangam MN" charset="0"/>
-                <a:ea typeface="Bangla Sangam MN" charset="0"/>
-                <a:cs typeface="Bangla Sangam MN" charset="0"/>
-              </a:rPr>
-              <a:t>f</a:t>
-            </a:r>
-            <a:r>
-              <a:rPr lang="en-US" b="1" baseline="-25000" dirty="0" err="1" smtClean="0">
-                <a:ln>
-                  <a:solidFill>
-                    <a:schemeClr val="tx1">
-                      <a:alpha val="70000"/>
-                    </a:schemeClr>
-                  </a:solidFill>
-                </a:ln>
-                <a:solidFill>
-                  <a:srgbClr val="C49B00"/>
-                </a:solidFill>
-                <a:latin typeface="Bangla Sangam MN" charset="0"/>
-                <a:ea typeface="Bangla Sangam MN" charset="0"/>
-                <a:cs typeface="Bangla Sangam MN" charset="0"/>
-              </a:rPr>
-              <a:t>esc</a:t>
-            </a:r>
-            <a:r>
-              <a:rPr lang="en-US" b="1" dirty="0" smtClean="0">
-                <a:ln>
-                  <a:solidFill>
-                    <a:schemeClr val="tx1">
-                      <a:alpha val="70000"/>
-                    </a:schemeClr>
-                  </a:solidFill>
-                </a:ln>
-                <a:solidFill>
-                  <a:srgbClr val="C49B00"/>
-                </a:solidFill>
-                <a:latin typeface="Bangla Sangam MN" charset="0"/>
-                <a:ea typeface="Bangla Sangam MN" charset="0"/>
-                <a:cs typeface="Bangla Sangam MN" charset="0"/>
-              </a:rPr>
-              <a:t> Is Complex</a:t>
-            </a:r>
-            <a:endParaRPr lang="en-US" b="1" dirty="0">
-              <a:ln>
-                <a:solidFill>
-                  <a:schemeClr val="tx1">
-                    <a:alpha val="70000"/>
-                  </a:schemeClr>
-                </a:solidFill>
-              </a:ln>
-              <a:solidFill>
-                <a:srgbClr val="C49B00"/>
-              </a:solidFill>
-              <a:latin typeface="Bangla Sangam MN" charset="0"/>
-              <a:ea typeface="Bangla Sangam MN" charset="0"/>
-              <a:cs typeface="Bangla Sangam MN" charset="0"/>
-            </a:endParaRPr>
-          </a:p>
-        </p:txBody>
-      </p:sp>
-      <p:sp>
-        <p:nvSpPr>
-          <p:cNvPr id="14" name="TextBox 13"/>
-          <p:cNvSpPr txBox="1"/>
-          <p:nvPr/>
-        </p:nvSpPr>
-        <p:spPr>
-          <a:xfrm>
-            <a:off x="437441" y="488739"/>
-            <a:ext cx="11513927" cy="1446550"/>
-          </a:xfrm>
-          <a:prstGeom prst="rect">
-            <a:avLst/>
-          </a:prstGeom>
-          <a:solidFill>
-            <a:schemeClr val="bg1"/>
-          </a:solidFill>
-          <a:effectLst/>
-        </p:spPr>
-        <p:txBody>
-          <a:bodyPr wrap="square" rtlCol="0">
-            <a:spAutoFit/>
-          </a:bodyPr>
-          <a:lstStyle/>
-          <a:p>
-            <a:pPr algn="ctr"/>
-            <a:r>
-              <a:rPr lang="en-US" sz="4400" dirty="0" smtClean="0">
-                <a:ln>
-                  <a:solidFill>
-                    <a:schemeClr val="tx1"/>
-                  </a:solidFill>
-                </a:ln>
-                <a:solidFill>
-                  <a:srgbClr val="C00000"/>
-                </a:solidFill>
-                <a:effectLst>
-                  <a:outerShdw blurRad="50800" dist="38100" dir="2700000" algn="tl" rotWithShape="0">
-                    <a:prstClr val="black">
-                      <a:alpha val="40000"/>
-                    </a:prstClr>
-                  </a:outerShdw>
-                </a:effectLst>
-                <a:latin typeface="Bangla Sangam MN" charset="0"/>
-                <a:ea typeface="Bangla Sangam MN" charset="0"/>
-                <a:cs typeface="Bangla Sangam MN" charset="0"/>
-              </a:rPr>
-              <a:t>“Couldn’t we just choose any escape fraction?”</a:t>
-            </a:r>
-          </a:p>
-        </p:txBody>
-      </p:sp>
-      <p:sp>
-        <p:nvSpPr>
-          <p:cNvPr id="15" name="TextBox 14"/>
-          <p:cNvSpPr txBox="1"/>
-          <p:nvPr/>
-        </p:nvSpPr>
-        <p:spPr>
-          <a:xfrm>
-            <a:off x="3494418" y="2095227"/>
-            <a:ext cx="5774180" cy="1015663"/>
-          </a:xfrm>
-          <a:prstGeom prst="rect">
-            <a:avLst/>
-          </a:prstGeom>
-          <a:solidFill>
-            <a:schemeClr val="bg1"/>
-          </a:solidFill>
-          <a:effectLst/>
-        </p:spPr>
-        <p:txBody>
-          <a:bodyPr wrap="square" rtlCol="0">
-            <a:spAutoFit/>
-          </a:bodyPr>
-          <a:lstStyle/>
-          <a:p>
-            <a:pPr algn="ctr"/>
-            <a:r>
-              <a:rPr lang="en-US" sz="6000" dirty="0" smtClean="0">
-                <a:ln>
-                  <a:solidFill>
-                    <a:schemeClr val="tx1"/>
-                  </a:solidFill>
-                </a:ln>
-                <a:solidFill>
-                  <a:srgbClr val="C00000"/>
-                </a:solidFill>
-                <a:effectLst>
-                  <a:outerShdw blurRad="50800" dist="38100" dir="2700000" algn="tl" rotWithShape="0">
-                    <a:prstClr val="black">
-                      <a:alpha val="40000"/>
-                    </a:prstClr>
-                  </a:outerShdw>
-                </a:effectLst>
-                <a:latin typeface="Bangla Sangam MN" charset="0"/>
-                <a:ea typeface="Bangla Sangam MN" charset="0"/>
-                <a:cs typeface="Bangla Sangam MN" charset="0"/>
-              </a:rPr>
-              <a:t>Well, yeah.</a:t>
-            </a:r>
-          </a:p>
-        </p:txBody>
-      </p:sp>
-    </p:spTree>
-    <p:extLst>
-      <p:ext uri="{BB962C8B-B14F-4D97-AF65-F5344CB8AC3E}">
-        <p14:creationId xmlns:p14="http://schemas.microsoft.com/office/powerpoint/2010/main" val="1326997439"/>
-      </p:ext>
-    </p:extLst>
-  </p:cSld>
-  <p:clrMapOvr>
-    <a:masterClrMapping/>
-  </p:clrMapOvr>
-  <p:timing>
-    <p:tnLst>
-      <p:par>
-        <p:cTn id="1" dur="indefinite" restart="never" nodeType="tmRoot">
-          <p:childTnLst>
-            <p:seq concurrent="1" nextAc="seek">
-              <p:cTn id="2" dur="indefinite" nodeType="mainSeq">
-                <p:childTnLst>
-                  <p:par>
-                    <p:cTn id="3" fill="hold">
-                      <p:stCondLst>
-                        <p:cond delay="indefinite"/>
-                      </p:stCondLst>
-                      <p:childTnLst>
-                        <p:par>
-                          <p:cTn id="4" fill="hold">
-                            <p:stCondLst>
-                              <p:cond delay="0"/>
-                            </p:stCondLst>
-                            <p:childTnLst>
-                              <p:par>
-                                <p:cTn id="5" presetID="1" presetClass="entr" presetSubtype="0" fill="hold" grpId="0" nodeType="clickEffect">
-                                  <p:stCondLst>
-                                    <p:cond delay="0"/>
-                                  </p:stCondLst>
-                                  <p:childTnLst>
-                                    <p:set>
-                                      <p:cBhvr>
-                                        <p:cTn id="6" dur="1" fill="hold">
-                                          <p:stCondLst>
-                                            <p:cond delay="0"/>
-                                          </p:stCondLst>
-                                        </p:cTn>
-                                        <p:tgtEl>
-                                          <p:spTgt spid="14"/>
-                                        </p:tgtEl>
-                                        <p:attrNameLst>
-                                          <p:attrName>style.visibility</p:attrName>
-                                        </p:attrNameLst>
-                                      </p:cBhvr>
-                                      <p:to>
-                                        <p:strVal val="visible"/>
-                                      </p:to>
-                                    </p:set>
-                                  </p:childTnLst>
-                                </p:cTn>
-                              </p:par>
-                            </p:childTnLst>
-                          </p:cTn>
-                        </p:par>
-                      </p:childTnLst>
-                    </p:cTn>
-                  </p:par>
-                  <p:par>
-                    <p:cTn id="7" fill="hold">
-                      <p:stCondLst>
-                        <p:cond delay="indefinite"/>
-                      </p:stCondLst>
-                      <p:childTnLst>
-                        <p:par>
-                          <p:cTn id="8" fill="hold">
-                            <p:stCondLst>
-                              <p:cond delay="0"/>
-                            </p:stCondLst>
-                            <p:childTnLst>
-                              <p:par>
-                                <p:cTn id="9" presetID="1" presetClass="entr" presetSubtype="0" fill="hold" grpId="0" nodeType="clickEffect">
-                                  <p:stCondLst>
-                                    <p:cond delay="0"/>
-                                  </p:stCondLst>
-                                  <p:childTnLst>
-                                    <p:set>
-                                      <p:cBhvr>
-                                        <p:cTn id="10" dur="1" fill="hold">
-                                          <p:stCondLst>
-                                            <p:cond delay="0"/>
-                                          </p:stCondLst>
-                                        </p:cTn>
-                                        <p:tgtEl>
-                                          <p:spTgt spid="15"/>
-                                        </p:tgtEl>
-                                        <p:attrNameLst>
-                                          <p:attrName>style.visibility</p:attrName>
-                                        </p:attrNameLst>
-                                      </p:cBhvr>
-                                      <p:to>
-                                        <p:strVal val="visible"/>
-                                      </p:to>
-                                    </p:set>
-                                  </p:childTnLst>
-                                </p:cTn>
-                              </p:par>
-                            </p:childTnLst>
-                          </p:cTn>
-                        </p:par>
-                      </p:childTnLst>
-                    </p:cTn>
-                  </p:par>
-                </p:childTnLst>
-              </p:cTn>
-              <p:prevCondLst>
-                <p:cond evt="onPrev" delay="0">
-                  <p:tgtEl>
-                    <p:sldTgt/>
-                  </p:tgtEl>
-                </p:cond>
-              </p:prevCondLst>
-              <p:nextCondLst>
-                <p:cond evt="onNext" delay="0">
-                  <p:tgtEl>
-                    <p:sldTgt/>
-                  </p:tgtEl>
-                </p:cond>
-              </p:nextCondLst>
-            </p:seq>
-          </p:childTnLst>
-        </p:cTn>
-      </p:par>
-    </p:tnLst>
-    <p:bldLst>
-      <p:bldP spid="14" grpId="0" animBg="1"/>
-      <p:bldP spid="15" grpId="0" animBg="1"/>
-    </p:bldLst>
-  </p:timing>
-</p:sld>
-</file>
-
-<file path=ppt/slides/slide9.xml><?xml version="1.0" encoding="utf-8"?>
-<p:sld xmlns:a="http://schemas.openxmlformats.org/drawingml/2006/main" xmlns:r="http://schemas.openxmlformats.org/officeDocument/2006/relationships" xmlns:p="http://schemas.openxmlformats.org/presentationml/2006/main">
-  <p:cSld>
-    <p:spTree>
-      <p:nvGrpSpPr>
-        <p:cNvPr id="1" name=""/>
-        <p:cNvGrpSpPr/>
-        <p:nvPr/>
-      </p:nvGrpSpPr>
-      <p:grpSpPr>
-        <a:xfrm>
-          <a:off x="0" y="0"/>
-          <a:ext cx="0" cy="0"/>
-          <a:chOff x="0" y="0"/>
-          <a:chExt cx="0" cy="0"/>
-        </a:xfrm>
-      </p:grpSpPr>
-      <p:sp>
-        <p:nvSpPr>
-          <p:cNvPr id="6" name="TextBox 5"/>
-          <p:cNvSpPr txBox="1"/>
-          <p:nvPr/>
-        </p:nvSpPr>
-        <p:spPr>
-          <a:xfrm>
-            <a:off x="177800" y="2087713"/>
-            <a:ext cx="11861800" cy="4524315"/>
-          </a:xfrm>
-          <a:prstGeom prst="rect">
-            <a:avLst/>
-          </a:prstGeom>
-          <a:noFill/>
-        </p:spPr>
-        <p:txBody>
-          <a:bodyPr wrap="square" rtlCol="0">
-            <a:spAutoFit/>
-          </a:bodyPr>
-          <a:lstStyle/>
-          <a:p>
-            <a:r>
-              <a:rPr lang="en-US" sz="3600" dirty="0" smtClean="0">
-                <a:solidFill>
-                  <a:schemeClr val="bg1"/>
-                </a:solidFill>
-                <a:latin typeface="Bangla Sangam MN" charset="0"/>
-                <a:ea typeface="Bangla Sangam MN" charset="0"/>
-                <a:cs typeface="Bangla Sangam MN" charset="0"/>
-              </a:rPr>
-              <a:t>Is it possible to model the Epoch of Reionization using a more physically motivated escape fraction parameterization?</a:t>
-            </a:r>
-          </a:p>
-          <a:p>
-            <a:endParaRPr lang="en-US" sz="3600" dirty="0" smtClean="0">
-              <a:solidFill>
-                <a:schemeClr val="bg1"/>
-              </a:solidFill>
-              <a:latin typeface="Bangla Sangam MN" charset="0"/>
-              <a:ea typeface="Bangla Sangam MN" charset="0"/>
-              <a:cs typeface="Bangla Sangam MN" charset="0"/>
-            </a:endParaRPr>
-          </a:p>
-          <a:p>
-            <a:endParaRPr lang="en-US" sz="3600" dirty="0">
-              <a:solidFill>
-                <a:schemeClr val="bg1"/>
-              </a:solidFill>
-              <a:latin typeface="Bangla Sangam MN" charset="0"/>
-              <a:ea typeface="Bangla Sangam MN" charset="0"/>
-              <a:cs typeface="Bangla Sangam MN" charset="0"/>
-            </a:endParaRPr>
-          </a:p>
-          <a:p>
-            <a:pPr marL="571500" indent="-571500">
-              <a:buFont typeface="Arial" charset="0"/>
-              <a:buChar char="•"/>
-            </a:pPr>
-            <a:r>
-              <a:rPr lang="en-US" sz="2800" dirty="0" smtClean="0">
-                <a:solidFill>
-                  <a:schemeClr val="bg1"/>
-                </a:solidFill>
-                <a:latin typeface="Bangla Sangam MN" charset="0"/>
-                <a:ea typeface="Bangla Sangam MN" charset="0"/>
-                <a:cs typeface="Bangla Sangam MN" charset="0"/>
-              </a:rPr>
-              <a:t>What are the `key’ observations/measurements/results that we have to match?</a:t>
-            </a:r>
-          </a:p>
-          <a:p>
-            <a:pPr marL="285750" indent="-285750">
-              <a:buFont typeface="Arial" charset="0"/>
-              <a:buChar char="•"/>
-            </a:pPr>
-            <a:endParaRPr lang="en-US" sz="2600" dirty="0">
-              <a:solidFill>
-                <a:schemeClr val="bg1"/>
-              </a:solidFill>
-              <a:latin typeface="Bangla Sangam MN" charset="0"/>
-              <a:ea typeface="Bangla Sangam MN" charset="0"/>
-              <a:cs typeface="Bangla Sangam MN" charset="0"/>
-            </a:endParaRPr>
-          </a:p>
-          <a:p>
-            <a:pPr marL="285750" indent="-285750">
-              <a:buFont typeface="Arial" charset="0"/>
-              <a:buChar char="•"/>
-            </a:pPr>
-            <a:endParaRPr lang="en-US" sz="2600" dirty="0" smtClean="0">
-              <a:solidFill>
-                <a:schemeClr val="bg1"/>
-              </a:solidFill>
-              <a:latin typeface="Bangla Sangam MN" charset="0"/>
-              <a:ea typeface="Bangla Sangam MN" charset="0"/>
-              <a:cs typeface="Bangla Sangam MN" charset="0"/>
-            </a:endParaRPr>
-          </a:p>
-        </p:txBody>
-      </p:sp>
-      <p:sp>
-        <p:nvSpPr>
-          <p:cNvPr id="7" name="Title 1"/>
-          <p:cNvSpPr>
-            <a:spLocks noGrp="1"/>
-          </p:cNvSpPr>
-          <p:nvPr>
-            <p:ph type="ctrTitle"/>
-          </p:nvPr>
-        </p:nvSpPr>
-        <p:spPr>
-          <a:xfrm>
-            <a:off x="1408253" y="266217"/>
-            <a:ext cx="9946511" cy="1350831"/>
-          </a:xfrm>
-        </p:spPr>
-        <p:txBody>
-          <a:bodyPr>
-            <a:normAutofit/>
-          </a:bodyPr>
-          <a:lstStyle/>
-          <a:p>
-            <a:r>
-              <a:rPr lang="en-US" b="1" dirty="0" smtClean="0">
-                <a:ln>
-                  <a:solidFill>
-                    <a:schemeClr val="tx1">
-                      <a:alpha val="70000"/>
-                    </a:schemeClr>
-                  </a:solidFill>
-                </a:ln>
-                <a:solidFill>
-                  <a:srgbClr val="C49B00"/>
-                </a:solidFill>
-                <a:latin typeface="Bangla Sangam MN" charset="0"/>
-                <a:ea typeface="Bangla Sangam MN" charset="0"/>
-                <a:cs typeface="Bangla Sangam MN" charset="0"/>
-              </a:rPr>
-              <a:t>Our Aim</a:t>
-            </a:r>
-            <a:endParaRPr lang="en-US" b="1" dirty="0">
-              <a:ln>
-                <a:solidFill>
-                  <a:schemeClr val="tx1">
-                    <a:alpha val="70000"/>
-                  </a:schemeClr>
-                </a:solidFill>
-              </a:ln>
-              <a:solidFill>
-                <a:srgbClr val="C49B00"/>
-              </a:solidFill>
-              <a:latin typeface="Bangla Sangam MN" charset="0"/>
-              <a:ea typeface="Bangla Sangam MN" charset="0"/>
-              <a:cs typeface="Bangla Sangam MN" charset="0"/>
-            </a:endParaRPr>
-          </a:p>
-        </p:txBody>
-      </p:sp>
-    </p:spTree>
-    <p:extLst>
-      <p:ext uri="{BB962C8B-B14F-4D97-AF65-F5344CB8AC3E}">
-        <p14:creationId xmlns:p14="http://schemas.microsoft.com/office/powerpoint/2010/main" val="886323545"/>
-      </p:ext>
-    </p:extLst>
-  </p:cSld>
-  <p:clrMapOvr>
-    <a:masterClrMapping/>
-  </p:clrMapOvr>
-  <p:timing>
-    <p:tnLst>
-      <p:par>
-        <p:cTn id="1" dur="indefinite" restart="never" nodeType="tmRoot"/>
-      </p:par>
-    </p:tnLst>
   </p:timing>
 </p:sld>
 </file>
